--- a/Documents/Batyrev_Ignatchenko_IST51/Батырев_ Игнатченко_ИСТ51/Игнатченко_ИСТ51.pptx
+++ b/Documents/Batyrev_Ignatchenko_IST51/Батырев_ Игнатченко_ИСТ51/Игнатченко_ИСТ51.pptx
@@ -6869,66 +6869,66 @@
     </dgm:pt>
   </dgm:ptLst>
   <dgm:cxnLst>
-    <dgm:cxn modelId="{F5664C21-2553-45CE-9A21-248F11B9E94C}" type="presOf" srcId="{D319E4FA-A07F-4EE1-A2B2-6F3AF1A09673}" destId="{DBFE1EB8-FEBC-4352-B0AF-561A12E3515E}" srcOrd="0" destOrd="0" presId="urn:microsoft.com/office/officeart/2008/layout/HalfCircleOrganizationChart"/>
-    <dgm:cxn modelId="{04E403F6-268B-42BA-B3FC-0FCDB3A2BD0E}" type="presOf" srcId="{CDF7DAF2-625E-4C75-BD65-BE63C990B995}" destId="{B80FEEED-8E8D-458C-9270-9D3560D41C87}" srcOrd="0" destOrd="0" presId="urn:microsoft.com/office/officeart/2008/layout/HalfCircleOrganizationChart"/>
-    <dgm:cxn modelId="{371773D4-2647-49C4-8BDD-CA6507D3BE16}" srcId="{39D4B245-3BBD-496A-A9DC-28AAC20DCEB4}" destId="{DBC079A1-2E88-40B2-ABFA-AFC3818AE42D}" srcOrd="0" destOrd="0" parTransId="{621401ED-233F-436F-9192-10BB9CCBA226}" sibTransId="{2F68DCD0-46DC-4D6D-ADFA-C299C932763C}"/>
-    <dgm:cxn modelId="{9B085B48-9336-45F4-A6A7-594D9762FCAA}" type="presOf" srcId="{CD85CAC5-FD53-4645-9B97-53EF823D7874}" destId="{4BC71E67-AE57-4891-83BB-30AEC5162AC5}" srcOrd="0" destOrd="0" presId="urn:microsoft.com/office/officeart/2008/layout/HalfCircleOrganizationChart"/>
-    <dgm:cxn modelId="{F22086EE-A12C-4874-B3DB-99634EB97D6E}" type="presOf" srcId="{33C59963-8762-4EE2-AD2D-A2C95FC37093}" destId="{F92FFF67-19AA-4FC0-9CD0-20874D911DA0}" srcOrd="0" destOrd="0" presId="urn:microsoft.com/office/officeart/2008/layout/HalfCircleOrganizationChart"/>
-    <dgm:cxn modelId="{FC9977FB-AE87-491B-96AF-6BFE9F138835}" type="presOf" srcId="{F432893D-B891-4ECA-8A60-EF7FB2777A4B}" destId="{E636C59B-2A79-4059-824B-472446EC08C8}" srcOrd="0" destOrd="0" presId="urn:microsoft.com/office/officeart/2008/layout/HalfCircleOrganizationChart"/>
-    <dgm:cxn modelId="{06418CDA-F5A2-42CB-9D5E-2FD985B05B34}" type="presOf" srcId="{3B00D38E-88F8-4DA0-9216-F0A881847407}" destId="{197AA1F8-70DB-4A53-A98F-4265219450E8}" srcOrd="0" destOrd="0" presId="urn:microsoft.com/office/officeart/2008/layout/HalfCircleOrganizationChart"/>
-    <dgm:cxn modelId="{C3377027-ECE8-4423-9B54-D6C34B9900AD}" srcId="{75454670-C255-478B-BB11-5540BA9CD2C6}" destId="{0BB4B6C2-0330-4DFD-81B0-65DE03E11030}" srcOrd="1" destOrd="0" parTransId="{677A63B5-4923-4774-99B4-0117CE7F6912}" sibTransId="{097CC81C-FCAE-42A6-93C9-1D34C42981BB}"/>
-    <dgm:cxn modelId="{9EA449E8-92F9-4273-8795-F202F353EF8B}" type="presOf" srcId="{5420C26C-C4E1-4516-9832-A421C8B8CAD6}" destId="{A1DF3BB7-D578-45AE-B317-FEC9A7F5BECF}" srcOrd="1" destOrd="0" presId="urn:microsoft.com/office/officeart/2008/layout/HalfCircleOrganizationChart"/>
-    <dgm:cxn modelId="{5CD79495-8924-4F47-8B85-FE0356E094BB}" type="presOf" srcId="{911A85D1-D2C2-4A55-82B7-ADD4D50B7D70}" destId="{F75BBDE8-8F0D-4C7B-87E3-0452FD8A02F0}" srcOrd="1" destOrd="0" presId="urn:microsoft.com/office/officeart/2008/layout/HalfCircleOrganizationChart"/>
-    <dgm:cxn modelId="{8608EC45-4622-4E42-9B8B-B390D917AAE6}" type="presOf" srcId="{584FF4CB-9D3E-4A3D-A363-67DF40A267EE}" destId="{2A22B360-A3BD-4385-96D7-2B4143333089}" srcOrd="1" destOrd="0" presId="urn:microsoft.com/office/officeart/2008/layout/HalfCircleOrganizationChart"/>
-    <dgm:cxn modelId="{4B6A72CD-95D8-4684-A2D8-8C2D139AFCA5}" type="presOf" srcId="{10ACF15F-7AFE-4F00-A519-27B2B87E5127}" destId="{EC80CF20-B60B-4BB8-A3B0-31CE974B5C4C}" srcOrd="0" destOrd="0" presId="urn:microsoft.com/office/officeart/2008/layout/HalfCircleOrganizationChart"/>
-    <dgm:cxn modelId="{0BA27286-3A16-4E95-8D11-244A543D0740}" type="presOf" srcId="{0BB4B6C2-0330-4DFD-81B0-65DE03E11030}" destId="{974B42D7-9E80-4B7B-93EA-B414D9BA666D}" srcOrd="1" destOrd="0" presId="urn:microsoft.com/office/officeart/2008/layout/HalfCircleOrganizationChart"/>
-    <dgm:cxn modelId="{7A3DEFC3-F10C-4A75-B401-E481CC52555E}" type="presOf" srcId="{34CE6F19-CBC7-4FB2-BE26-2E998DAFBE00}" destId="{13B1E43F-7C56-4734-8727-2604F4EAC304}" srcOrd="0" destOrd="0" presId="urn:microsoft.com/office/officeart/2008/layout/HalfCircleOrganizationChart"/>
-    <dgm:cxn modelId="{DA61E34C-0AA7-4D94-9CF7-662780ED25F7}" type="presOf" srcId="{DBC079A1-2E88-40B2-ABFA-AFC3818AE42D}" destId="{09EB7586-05CA-49A4-B30A-8AE72D0FE8D6}" srcOrd="0" destOrd="0" presId="urn:microsoft.com/office/officeart/2008/layout/HalfCircleOrganizationChart"/>
-    <dgm:cxn modelId="{6B10DD83-8FCF-4297-97E2-192DCB2F4346}" type="presOf" srcId="{39D4B245-3BBD-496A-A9DC-28AAC20DCEB4}" destId="{A7205413-750C-4E83-82BA-FF5FDDB3CA4E}" srcOrd="1" destOrd="0" presId="urn:microsoft.com/office/officeart/2008/layout/HalfCircleOrganizationChart"/>
     <dgm:cxn modelId="{4D4BBC2E-B6A2-4728-BCE7-11C5827252F7}" srcId="{F432893D-B891-4ECA-8A60-EF7FB2777A4B}" destId="{34CE6F19-CBC7-4FB2-BE26-2E998DAFBE00}" srcOrd="0" destOrd="0" parTransId="{5B9685BF-7E43-4F97-8175-8C5CFB847AE5}" sibTransId="{485DECA3-1619-4D00-B014-659334C4BAB3}"/>
     <dgm:cxn modelId="{51378021-1410-4B1C-A635-C49E4944045E}" type="presOf" srcId="{2A7AA7D4-BE2F-4E3D-B396-8568C3BF07B1}" destId="{80F65D71-6E58-4505-99FA-7C1AFF0F11B7}" srcOrd="0" destOrd="0" presId="urn:microsoft.com/office/officeart/2008/layout/HalfCircleOrganizationChart"/>
-    <dgm:cxn modelId="{7568E5E2-9247-4773-9E9D-6FD856722DD6}" srcId="{34CE6F19-CBC7-4FB2-BE26-2E998DAFBE00}" destId="{F1E81E94-7DC5-4B6B-9B4C-F238CB338709}" srcOrd="0" destOrd="0" parTransId="{5CF82DB7-364D-4817-B62E-E2016FF0AAE4}" sibTransId="{FCDBEB82-489F-4574-A839-0010B75AD5B2}"/>
-    <dgm:cxn modelId="{32D4BDA3-8376-4B53-A23C-6D4262966079}" type="presOf" srcId="{558533F2-66BC-4151-BF3E-F06E0FED84C6}" destId="{757BCA2E-72D8-4EDF-9C47-38760DF73AD1}" srcOrd="0" destOrd="0" presId="urn:microsoft.com/office/officeart/2008/layout/HalfCircleOrganizationChart"/>
-    <dgm:cxn modelId="{0FD2F058-878B-4F53-BBC5-D061C80C1128}" type="presOf" srcId="{911A85D1-D2C2-4A55-82B7-ADD4D50B7D70}" destId="{54FFBA71-7CCA-41AB-B828-D794F32BA5D8}" srcOrd="0" destOrd="0" presId="urn:microsoft.com/office/officeart/2008/layout/HalfCircleOrganizationChart"/>
-    <dgm:cxn modelId="{3E036D11-6D51-49FE-8EE1-CD7D2237802E}" type="presOf" srcId="{0BB4B6C2-0330-4DFD-81B0-65DE03E11030}" destId="{614FA8C8-BF56-4EAC-846A-86998984BF03}" srcOrd="0" destOrd="0" presId="urn:microsoft.com/office/officeart/2008/layout/HalfCircleOrganizationChart"/>
-    <dgm:cxn modelId="{B977D482-99D8-40F9-B162-46575EC2B70C}" srcId="{34CE6F19-CBC7-4FB2-BE26-2E998DAFBE00}" destId="{1D4AF7C2-0A11-4DCD-B00E-57C5A9096C4C}" srcOrd="2" destOrd="0" parTransId="{01F7949E-0DA8-48A2-9632-9ECDD2DBB348}" sibTransId="{8C077354-C4BD-4AFD-B6D8-6D6EA104F84C}"/>
-    <dgm:cxn modelId="{88EF890B-4489-4BBD-8252-FBCEE0F66F13}" type="presOf" srcId="{B2753DE6-0E28-4532-B71C-516C18D65604}" destId="{668B406B-4EAA-45B3-B43C-923D15CC8E68}" srcOrd="1" destOrd="0" presId="urn:microsoft.com/office/officeart/2008/layout/HalfCircleOrganizationChart"/>
+    <dgm:cxn modelId="{06418CDA-F5A2-42CB-9D5E-2FD985B05B34}" type="presOf" srcId="{3B00D38E-88F8-4DA0-9216-F0A881847407}" destId="{197AA1F8-70DB-4A53-A98F-4265219450E8}" srcOrd="0" destOrd="0" presId="urn:microsoft.com/office/officeart/2008/layout/HalfCircleOrganizationChart"/>
+    <dgm:cxn modelId="{ABF74739-F948-4555-BEF1-038164963BCD}" srcId="{39D4B245-3BBD-496A-A9DC-28AAC20DCEB4}" destId="{A8156C10-F891-4CA0-88DB-55A5793ABD98}" srcOrd="1" destOrd="0" parTransId="{CF23ACB5-14C4-46A9-AD3D-0FA22BAFBB8E}" sibTransId="{50331481-F798-4EDF-99DD-96AAFC04211E}"/>
+    <dgm:cxn modelId="{2B772CC0-D92A-4994-AFBB-3EDD2359A5AF}" type="presOf" srcId="{34CE6F19-CBC7-4FB2-BE26-2E998DAFBE00}" destId="{B1DA5BEC-CB9E-4B48-A5F5-A7DCF38FE481}" srcOrd="1" destOrd="0" presId="urn:microsoft.com/office/officeart/2008/layout/HalfCircleOrganizationChart"/>
+    <dgm:cxn modelId="{D481B6BC-7CD3-4BB7-A637-595DF42B5923}" srcId="{75454670-C255-478B-BB11-5540BA9CD2C6}" destId="{CDF7DAF2-625E-4C75-BD65-BE63C990B995}" srcOrd="0" destOrd="0" parTransId="{319C9102-742E-4C3B-A150-CE6B91CD595B}" sibTransId="{C6EBA3C6-3512-4F41-A9BF-8D4C9B4A86B0}"/>
+    <dgm:cxn modelId="{F22086EE-A12C-4874-B3DB-99634EB97D6E}" type="presOf" srcId="{33C59963-8762-4EE2-AD2D-A2C95FC37093}" destId="{F92FFF67-19AA-4FC0-9CD0-20874D911DA0}" srcOrd="0" destOrd="0" presId="urn:microsoft.com/office/officeart/2008/layout/HalfCircleOrganizationChart"/>
+    <dgm:cxn modelId="{C3377027-ECE8-4423-9B54-D6C34B9900AD}" srcId="{75454670-C255-478B-BB11-5540BA9CD2C6}" destId="{0BB4B6C2-0330-4DFD-81B0-65DE03E11030}" srcOrd="1" destOrd="0" parTransId="{677A63B5-4923-4774-99B4-0117CE7F6912}" sibTransId="{097CC81C-FCAE-42A6-93C9-1D34C42981BB}"/>
+    <dgm:cxn modelId="{43CAB3CE-2AED-4769-B61F-D1D8D1384F86}" type="presOf" srcId="{A8156C10-F891-4CA0-88DB-55A5793ABD98}" destId="{F93E727B-C6B8-42E7-B644-CAAEDDFAD46F}" srcOrd="1" destOrd="0" presId="urn:microsoft.com/office/officeart/2008/layout/HalfCircleOrganizationChart"/>
     <dgm:cxn modelId="{479EE079-7F50-4414-A023-1FB34E08B345}" type="presOf" srcId="{DBC079A1-2E88-40B2-ABFA-AFC3818AE42D}" destId="{191952C7-BE69-4D8C-B683-5E374890D161}" srcOrd="1" destOrd="0" presId="urn:microsoft.com/office/officeart/2008/layout/HalfCircleOrganizationChart"/>
-    <dgm:cxn modelId="{0E3EBE5D-1829-47B6-B3A8-E5BE904717BC}" type="presOf" srcId="{9019704F-B0AC-4E38-92F5-A86CEDE13818}" destId="{2337D618-6DE0-4650-97F6-EC0F90668BB5}" srcOrd="1" destOrd="0" presId="urn:microsoft.com/office/officeart/2008/layout/HalfCircleOrganizationChart"/>
-    <dgm:cxn modelId="{7687AED0-D933-43A9-957C-BAAE10F9F0F1}" type="presOf" srcId="{9019704F-B0AC-4E38-92F5-A86CEDE13818}" destId="{C5D41407-C25B-4206-8837-FE61F76EECAE}" srcOrd="0" destOrd="0" presId="urn:microsoft.com/office/officeart/2008/layout/HalfCircleOrganizationChart"/>
-    <dgm:cxn modelId="{F17F5A2D-019F-4B26-BD06-25DBB8AAB6B9}" type="presOf" srcId="{01F7949E-0DA8-48A2-9632-9ECDD2DBB348}" destId="{34EC3E89-2AAA-4919-AAE6-69D975E7129E}" srcOrd="0" destOrd="0" presId="urn:microsoft.com/office/officeart/2008/layout/HalfCircleOrganizationChart"/>
-    <dgm:cxn modelId="{C1CC1EC3-CFB4-49EC-B95F-9631F671BA01}" srcId="{CDF7DAF2-625E-4C75-BD65-BE63C990B995}" destId="{584FF4CB-9D3E-4A3D-A363-67DF40A267EE}" srcOrd="0" destOrd="0" parTransId="{3B00D38E-88F8-4DA0-9216-F0A881847407}" sibTransId="{87CB9D6F-6D62-42CB-838B-A1DF62C400AD}"/>
-    <dgm:cxn modelId="{B6A3F0FB-F741-4005-A67B-8B1AE663237D}" type="presOf" srcId="{319C9102-742E-4C3B-A150-CE6B91CD595B}" destId="{E90C8796-3997-4990-A026-7F3200428958}" srcOrd="0" destOrd="0" presId="urn:microsoft.com/office/officeart/2008/layout/HalfCircleOrganizationChart"/>
-    <dgm:cxn modelId="{1CD7FAE4-850D-472C-A989-54EF6167498D}" type="presOf" srcId="{5420C26C-C4E1-4516-9832-A421C8B8CAD6}" destId="{63E5FA6C-1D5C-4243-89E4-9BB90B639FE4}" srcOrd="0" destOrd="0" presId="urn:microsoft.com/office/officeart/2008/layout/HalfCircleOrganizationChart"/>
-    <dgm:cxn modelId="{1D21B030-EF94-4FEB-A2C9-FC57A8BEEC6F}" type="presOf" srcId="{1D4AF7C2-0A11-4DCD-B00E-57C5A9096C4C}" destId="{99840EC4-8A0B-406B-863D-8BBF93890534}" srcOrd="1" destOrd="0" presId="urn:microsoft.com/office/officeart/2008/layout/HalfCircleOrganizationChart"/>
-    <dgm:cxn modelId="{CF435704-6F98-4670-86D8-4E7720B958B7}" type="presOf" srcId="{CD85CAC5-FD53-4645-9B97-53EF823D7874}" destId="{F07E7728-F6F3-4F45-A396-A6C2B98CFD8E}" srcOrd="1" destOrd="0" presId="urn:microsoft.com/office/officeart/2008/layout/HalfCircleOrganizationChart"/>
-    <dgm:cxn modelId="{F2613D40-F6F8-4807-9ED1-B0F2B80A7108}" srcId="{584FF4CB-9D3E-4A3D-A363-67DF40A267EE}" destId="{5420C26C-C4E1-4516-9832-A421C8B8CAD6}" srcOrd="1" destOrd="0" parTransId="{558533F2-66BC-4151-BF3E-F06E0FED84C6}" sibTransId="{368CD16A-F64C-48A1-9D67-C4BE70844B54}"/>
+    <dgm:cxn modelId="{64A66001-2590-4276-9D9A-AA8E03FF716F}" type="presOf" srcId="{39D4B245-3BBD-496A-A9DC-28AAC20DCEB4}" destId="{FDE48BCF-F7CC-43A7-A4C5-2826C308CF22}" srcOrd="0" destOrd="0" presId="urn:microsoft.com/office/officeart/2008/layout/HalfCircleOrganizationChart"/>
     <dgm:cxn modelId="{C21732C2-F0F7-435B-BE4E-6DBF634EFC9C}" srcId="{39D4B245-3BBD-496A-A9DC-28AAC20DCEB4}" destId="{9019704F-B0AC-4E38-92F5-A86CEDE13818}" srcOrd="2" destOrd="0" parTransId="{67CBC7C6-90C3-4DE7-B652-1F269C7350DF}" sibTransId="{28DDAD2E-71C9-434C-85BB-B3601BADDC9F}"/>
     <dgm:cxn modelId="{448113E8-81C8-4119-90AB-583741092967}" type="presOf" srcId="{584FF4CB-9D3E-4A3D-A363-67DF40A267EE}" destId="{5F4236A5-0C38-41E8-9034-78D5D7842235}" srcOrd="0" destOrd="0" presId="urn:microsoft.com/office/officeart/2008/layout/HalfCircleOrganizationChart"/>
+    <dgm:cxn modelId="{A17C2AC6-BBDE-423D-9BD9-7DBBB75CF940}" srcId="{584FF4CB-9D3E-4A3D-A363-67DF40A267EE}" destId="{B2753DE6-0E28-4532-B71C-516C18D65604}" srcOrd="2" destOrd="0" parTransId="{10ACF15F-7AFE-4F00-A519-27B2B87E5127}" sibTransId="{DE730AAF-36DC-4E33-8C8C-F9808A0AFE58}"/>
+    <dgm:cxn modelId="{88EF890B-4489-4BBD-8252-FBCEE0F66F13}" type="presOf" srcId="{B2753DE6-0E28-4532-B71C-516C18D65604}" destId="{668B406B-4EAA-45B3-B43C-923D15CC8E68}" srcOrd="1" destOrd="0" presId="urn:microsoft.com/office/officeart/2008/layout/HalfCircleOrganizationChart"/>
+    <dgm:cxn modelId="{B23C9BFB-9BCB-4CBA-9315-F8C4ABACA990}" type="presOf" srcId="{A8156C10-F891-4CA0-88DB-55A5793ABD98}" destId="{09AA61B8-33A2-405D-A67E-A6F39493B615}" srcOrd="0" destOrd="0" presId="urn:microsoft.com/office/officeart/2008/layout/HalfCircleOrganizationChart"/>
+    <dgm:cxn modelId="{392E1D83-1EC5-48C0-A24B-175B10F57835}" type="presOf" srcId="{75454670-C255-478B-BB11-5540BA9CD2C6}" destId="{2E628B39-5D15-4C11-B9EE-12D2B96C5728}" srcOrd="1" destOrd="0" presId="urn:microsoft.com/office/officeart/2008/layout/HalfCircleOrganizationChart"/>
+    <dgm:cxn modelId="{1CD7FAE4-850D-472C-A989-54EF6167498D}" type="presOf" srcId="{5420C26C-C4E1-4516-9832-A421C8B8CAD6}" destId="{63E5FA6C-1D5C-4243-89E4-9BB90B639FE4}" srcOrd="0" destOrd="0" presId="urn:microsoft.com/office/officeart/2008/layout/HalfCircleOrganizationChart"/>
+    <dgm:cxn modelId="{B2050A2D-D257-41AA-A490-FCC97370C97A}" type="presOf" srcId="{1D4AF7C2-0A11-4DCD-B00E-57C5A9096C4C}" destId="{B384C985-9C62-4061-AE77-B0B804EF616E}" srcOrd="0" destOrd="0" presId="urn:microsoft.com/office/officeart/2008/layout/HalfCircleOrganizationChart"/>
+    <dgm:cxn modelId="{EB71EAD8-3B2E-4D42-A70F-87DBF11A50BF}" type="presOf" srcId="{CDF7DAF2-625E-4C75-BD65-BE63C990B995}" destId="{C79371F5-8E3F-4089-ADB7-2AA5881F03E7}" srcOrd="1" destOrd="0" presId="urn:microsoft.com/office/officeart/2008/layout/HalfCircleOrganizationChart"/>
+    <dgm:cxn modelId="{969E9CA1-8F36-4FBF-98E2-374C336E2245}" type="presOf" srcId="{5CF82DB7-364D-4817-B62E-E2016FF0AAE4}" destId="{532DE9B3-9F92-4857-94ED-C59EED1AF4D8}" srcOrd="0" destOrd="0" presId="urn:microsoft.com/office/officeart/2008/layout/HalfCircleOrganizationChart"/>
+    <dgm:cxn modelId="{BB6D789C-87C3-4CBA-98EA-76F8493CB535}" type="presOf" srcId="{75454670-C255-478B-BB11-5540BA9CD2C6}" destId="{A1A0865E-5578-4F84-AB1A-7892F3427951}" srcOrd="0" destOrd="0" presId="urn:microsoft.com/office/officeart/2008/layout/HalfCircleOrganizationChart"/>
+    <dgm:cxn modelId="{0BA27286-3A16-4E95-8D11-244A543D0740}" type="presOf" srcId="{0BB4B6C2-0330-4DFD-81B0-65DE03E11030}" destId="{974B42D7-9E80-4B7B-93EA-B414D9BA666D}" srcOrd="1" destOrd="0" presId="urn:microsoft.com/office/officeart/2008/layout/HalfCircleOrganizationChart"/>
+    <dgm:cxn modelId="{F25F0AD8-04AD-4B97-951D-A1B02735E215}" type="presOf" srcId="{F1E81E94-7DC5-4B6B-9B4C-F238CB338709}" destId="{DA44B93A-AC35-4250-861D-833F3E0F58EC}" srcOrd="1" destOrd="0" presId="urn:microsoft.com/office/officeart/2008/layout/HalfCircleOrganizationChart"/>
+    <dgm:cxn modelId="{B977D482-99D8-40F9-B162-46575EC2B70C}" srcId="{34CE6F19-CBC7-4FB2-BE26-2E998DAFBE00}" destId="{1D4AF7C2-0A11-4DCD-B00E-57C5A9096C4C}" srcOrd="2" destOrd="0" parTransId="{01F7949E-0DA8-48A2-9632-9ECDD2DBB348}" sibTransId="{8C077354-C4BD-4AFD-B6D8-6D6EA104F84C}"/>
+    <dgm:cxn modelId="{5584E85A-9200-4672-9D8A-D8503C508710}" type="presOf" srcId="{CF23ACB5-14C4-46A9-AD3D-0FA22BAFBB8E}" destId="{C8264BCE-F66C-43CD-9BCB-E610FD763A54}" srcOrd="0" destOrd="0" presId="urn:microsoft.com/office/officeart/2008/layout/HalfCircleOrganizationChart"/>
+    <dgm:cxn modelId="{3E036D11-6D51-49FE-8EE1-CD7D2237802E}" type="presOf" srcId="{0BB4B6C2-0330-4DFD-81B0-65DE03E11030}" destId="{614FA8C8-BF56-4EAC-846A-86998984BF03}" srcOrd="0" destOrd="0" presId="urn:microsoft.com/office/officeart/2008/layout/HalfCircleOrganizationChart"/>
+    <dgm:cxn modelId="{FC9977FB-AE87-491B-96AF-6BFE9F138835}" type="presOf" srcId="{F432893D-B891-4ECA-8A60-EF7FB2777A4B}" destId="{E636C59B-2A79-4059-824B-472446EC08C8}" srcOrd="0" destOrd="0" presId="urn:microsoft.com/office/officeart/2008/layout/HalfCircleOrganizationChart"/>
+    <dgm:cxn modelId="{CAF6A236-2AA6-4FEA-A7BE-FEECC89EB5B2}" type="presOf" srcId="{621401ED-233F-436F-9192-10BB9CCBA226}" destId="{A5AD954F-1CBF-4CFF-9B1A-2B8B141448D6}" srcOrd="0" destOrd="0" presId="urn:microsoft.com/office/officeart/2008/layout/HalfCircleOrganizationChart"/>
+    <dgm:cxn modelId="{59DEB087-0433-46C8-B24F-A98B7FFE7EE3}" type="presOf" srcId="{9FBEED26-3A6D-47DA-A332-9D74B6D5D309}" destId="{AE54E42F-9750-455C-9191-5F33BD553E69}" srcOrd="0" destOrd="0" presId="urn:microsoft.com/office/officeart/2008/layout/HalfCircleOrganizationChart"/>
+    <dgm:cxn modelId="{B6A3F0FB-F741-4005-A67B-8B1AE663237D}" type="presOf" srcId="{319C9102-742E-4C3B-A150-CE6B91CD595B}" destId="{E90C8796-3997-4990-A026-7F3200428958}" srcOrd="0" destOrd="0" presId="urn:microsoft.com/office/officeart/2008/layout/HalfCircleOrganizationChart"/>
+    <dgm:cxn modelId="{DEBDC105-FE3B-484B-A251-766E141BAAB5}" srcId="{584FF4CB-9D3E-4A3D-A363-67DF40A267EE}" destId="{39D4B245-3BBD-496A-A9DC-28AAC20DCEB4}" srcOrd="0" destOrd="0" parTransId="{2A7AA7D4-BE2F-4E3D-B396-8568C3BF07B1}" sibTransId="{5713FDE6-C7C8-43B3-9000-F88004B172CC}"/>
+    <dgm:cxn modelId="{478BC9EA-F507-41AE-A54A-36B940439095}" srcId="{34CE6F19-CBC7-4FB2-BE26-2E998DAFBE00}" destId="{75454670-C255-478B-BB11-5540BA9CD2C6}" srcOrd="1" destOrd="0" parTransId="{D319E4FA-A07F-4EE1-A2B2-6F3AF1A09673}" sibTransId="{5691EDF0-314F-4F06-9176-461DDE2D781A}"/>
+    <dgm:cxn modelId="{0E3EBE5D-1829-47B6-B3A8-E5BE904717BC}" type="presOf" srcId="{9019704F-B0AC-4E38-92F5-A86CEDE13818}" destId="{2337D618-6DE0-4650-97F6-EC0F90668BB5}" srcOrd="1" destOrd="0" presId="urn:microsoft.com/office/officeart/2008/layout/HalfCircleOrganizationChart"/>
+    <dgm:cxn modelId="{F17F5A2D-019F-4B26-BD06-25DBB8AAB6B9}" type="presOf" srcId="{01F7949E-0DA8-48A2-9632-9ECDD2DBB348}" destId="{34EC3E89-2AAA-4919-AAE6-69D975E7129E}" srcOrd="0" destOrd="0" presId="urn:microsoft.com/office/officeart/2008/layout/HalfCircleOrganizationChart"/>
+    <dgm:cxn modelId="{DF7D8FC4-CA31-4632-869B-09E501DA39C3}" type="presOf" srcId="{F1E81E94-7DC5-4B6B-9B4C-F238CB338709}" destId="{DB1D3D55-3021-4A24-9C6F-5100DDEEE5BA}" srcOrd="0" destOrd="0" presId="urn:microsoft.com/office/officeart/2008/layout/HalfCircleOrganizationChart"/>
+    <dgm:cxn modelId="{9B085B48-9336-45F4-A6A7-594D9762FCAA}" type="presOf" srcId="{CD85CAC5-FD53-4645-9B97-53EF823D7874}" destId="{4BC71E67-AE57-4891-83BB-30AEC5162AC5}" srcOrd="0" destOrd="0" presId="urn:microsoft.com/office/officeart/2008/layout/HalfCircleOrganizationChart"/>
+    <dgm:cxn modelId="{5CD79495-8924-4F47-8B85-FE0356E094BB}" type="presOf" srcId="{911A85D1-D2C2-4A55-82B7-ADD4D50B7D70}" destId="{F75BBDE8-8F0D-4C7B-87E3-0452FD8A02F0}" srcOrd="1" destOrd="0" presId="urn:microsoft.com/office/officeart/2008/layout/HalfCircleOrganizationChart"/>
+    <dgm:cxn modelId="{CE83146A-0B7E-4A07-9197-C8D29E56E618}" type="presOf" srcId="{B2753DE6-0E28-4532-B71C-516C18D65604}" destId="{BE4FEACC-EB3E-47AB-AE2F-F635F8188F4C}" srcOrd="0" destOrd="0" presId="urn:microsoft.com/office/officeart/2008/layout/HalfCircleOrganizationChart"/>
+    <dgm:cxn modelId="{04E403F6-268B-42BA-B3FC-0FCDB3A2BD0E}" type="presOf" srcId="{CDF7DAF2-625E-4C75-BD65-BE63C990B995}" destId="{B80FEEED-8E8D-458C-9270-9D3560D41C87}" srcOrd="0" destOrd="0" presId="urn:microsoft.com/office/officeart/2008/layout/HalfCircleOrganizationChart"/>
+    <dgm:cxn modelId="{32D4BDA3-8376-4B53-A23C-6D4262966079}" type="presOf" srcId="{558533F2-66BC-4151-BF3E-F06E0FED84C6}" destId="{757BCA2E-72D8-4EDF-9C47-38760DF73AD1}" srcOrd="0" destOrd="0" presId="urn:microsoft.com/office/officeart/2008/layout/HalfCircleOrganizationChart"/>
+    <dgm:cxn modelId="{7568E5E2-9247-4773-9E9D-6FD856722DD6}" srcId="{34CE6F19-CBC7-4FB2-BE26-2E998DAFBE00}" destId="{F1E81E94-7DC5-4B6B-9B4C-F238CB338709}" srcOrd="0" destOrd="0" parTransId="{5CF82DB7-364D-4817-B62E-E2016FF0AAE4}" sibTransId="{FCDBEB82-489F-4574-A839-0010B75AD5B2}"/>
+    <dgm:cxn modelId="{CF435704-6F98-4670-86D8-4E7720B958B7}" type="presOf" srcId="{CD85CAC5-FD53-4645-9B97-53EF823D7874}" destId="{F07E7728-F6F3-4F45-A396-A6C2B98CFD8E}" srcOrd="1" destOrd="0" presId="urn:microsoft.com/office/officeart/2008/layout/HalfCircleOrganizationChart"/>
+    <dgm:cxn modelId="{99968B38-9E6E-4E49-957D-AA4EC3641770}" type="presOf" srcId="{67CBC7C6-90C3-4DE7-B652-1F269C7350DF}" destId="{7EEB8A3D-A3D8-4A38-A415-F9390BD34454}" srcOrd="0" destOrd="0" presId="urn:microsoft.com/office/officeart/2008/layout/HalfCircleOrganizationChart"/>
+    <dgm:cxn modelId="{371773D4-2647-49C4-8BDD-CA6507D3BE16}" srcId="{39D4B245-3BBD-496A-A9DC-28AAC20DCEB4}" destId="{DBC079A1-2E88-40B2-ABFA-AFC3818AE42D}" srcOrd="0" destOrd="0" parTransId="{621401ED-233F-436F-9192-10BB9CCBA226}" sibTransId="{2F68DCD0-46DC-4D6D-ADFA-C299C932763C}"/>
+    <dgm:cxn modelId="{0FD2F058-878B-4F53-BBC5-D061C80C1128}" type="presOf" srcId="{911A85D1-D2C2-4A55-82B7-ADD4D50B7D70}" destId="{54FFBA71-7CCA-41AB-B828-D794F32BA5D8}" srcOrd="0" destOrd="0" presId="urn:microsoft.com/office/officeart/2008/layout/HalfCircleOrganizationChart"/>
+    <dgm:cxn modelId="{8608EC45-4622-4E42-9B8B-B390D917AAE6}" type="presOf" srcId="{584FF4CB-9D3E-4A3D-A363-67DF40A267EE}" destId="{2A22B360-A3BD-4385-96D7-2B4143333089}" srcOrd="1" destOrd="0" presId="urn:microsoft.com/office/officeart/2008/layout/HalfCircleOrganizationChart"/>
+    <dgm:cxn modelId="{7A3DEFC3-F10C-4A75-B401-E481CC52555E}" type="presOf" srcId="{34CE6F19-CBC7-4FB2-BE26-2E998DAFBE00}" destId="{13B1E43F-7C56-4734-8727-2604F4EAC304}" srcOrd="0" destOrd="0" presId="urn:microsoft.com/office/officeart/2008/layout/HalfCircleOrganizationChart"/>
+    <dgm:cxn modelId="{6B10DD83-8FCF-4297-97E2-192DCB2F4346}" type="presOf" srcId="{39D4B245-3BBD-496A-A9DC-28AAC20DCEB4}" destId="{A7205413-750C-4E83-82BA-FF5FDDB3CA4E}" srcOrd="1" destOrd="0" presId="urn:microsoft.com/office/officeart/2008/layout/HalfCircleOrganizationChart"/>
     <dgm:cxn modelId="{9AA2E2A7-6637-419D-909A-A946FF0F79F1}" type="presOf" srcId="{677A63B5-4923-4774-99B4-0117CE7F6912}" destId="{642BA722-ABBD-48F5-9267-CEE03E2E7D6F}" srcOrd="0" destOrd="0" presId="urn:microsoft.com/office/officeart/2008/layout/HalfCircleOrganizationChart"/>
-    <dgm:cxn modelId="{392E1D83-1EC5-48C0-A24B-175B10F57835}" type="presOf" srcId="{75454670-C255-478B-BB11-5540BA9CD2C6}" destId="{2E628B39-5D15-4C11-B9EE-12D2B96C5728}" srcOrd="1" destOrd="0" presId="urn:microsoft.com/office/officeart/2008/layout/HalfCircleOrganizationChart"/>
+    <dgm:cxn modelId="{9EA449E8-92F9-4273-8795-F202F353EF8B}" type="presOf" srcId="{5420C26C-C4E1-4516-9832-A421C8B8CAD6}" destId="{A1DF3BB7-D578-45AE-B317-FEC9A7F5BECF}" srcOrd="1" destOrd="0" presId="urn:microsoft.com/office/officeart/2008/layout/HalfCircleOrganizationChart"/>
+    <dgm:cxn modelId="{1D21B030-EF94-4FEB-A2C9-FC57A8BEEC6F}" type="presOf" srcId="{1D4AF7C2-0A11-4DCD-B00E-57C5A9096C4C}" destId="{99840EC4-8A0B-406B-863D-8BBF93890534}" srcOrd="1" destOrd="0" presId="urn:microsoft.com/office/officeart/2008/layout/HalfCircleOrganizationChart"/>
+    <dgm:cxn modelId="{F5664C21-2553-45CE-9A21-248F11B9E94C}" type="presOf" srcId="{D319E4FA-A07F-4EE1-A2B2-6F3AF1A09673}" destId="{DBFE1EB8-FEBC-4352-B0AF-561A12E3515E}" srcOrd="0" destOrd="0" presId="urn:microsoft.com/office/officeart/2008/layout/HalfCircleOrganizationChart"/>
+    <dgm:cxn modelId="{DA61E34C-0AA7-4D94-9CF7-662780ED25F7}" type="presOf" srcId="{DBC079A1-2E88-40B2-ABFA-AFC3818AE42D}" destId="{09EB7586-05CA-49A4-B30A-8AE72D0FE8D6}" srcOrd="0" destOrd="0" presId="urn:microsoft.com/office/officeart/2008/layout/HalfCircleOrganizationChart"/>
+    <dgm:cxn modelId="{4B6A72CD-95D8-4684-A2D8-8C2D139AFCA5}" type="presOf" srcId="{10ACF15F-7AFE-4F00-A519-27B2B87E5127}" destId="{EC80CF20-B60B-4BB8-A3B0-31CE974B5C4C}" srcOrd="0" destOrd="0" presId="urn:microsoft.com/office/officeart/2008/layout/HalfCircleOrganizationChart"/>
+    <dgm:cxn modelId="{74929604-1573-445C-A9A3-61699379D00A}" srcId="{1D4AF7C2-0A11-4DCD-B00E-57C5A9096C4C}" destId="{CD85CAC5-FD53-4645-9B97-53EF823D7874}" srcOrd="1" destOrd="0" parTransId="{33C59963-8762-4EE2-AD2D-A2C95FC37093}" sibTransId="{D2611815-A86F-4CBD-9033-6DE4973DCB71}"/>
+    <dgm:cxn modelId="{F2613D40-F6F8-4807-9ED1-B0F2B80A7108}" srcId="{584FF4CB-9D3E-4A3D-A363-67DF40A267EE}" destId="{5420C26C-C4E1-4516-9832-A421C8B8CAD6}" srcOrd="1" destOrd="0" parTransId="{558533F2-66BC-4151-BF3E-F06E0FED84C6}" sibTransId="{368CD16A-F64C-48A1-9D67-C4BE70844B54}"/>
+    <dgm:cxn modelId="{7687AED0-D933-43A9-957C-BAAE10F9F0F1}" type="presOf" srcId="{9019704F-B0AC-4E38-92F5-A86CEDE13818}" destId="{C5D41407-C25B-4206-8837-FE61F76EECAE}" srcOrd="0" destOrd="0" presId="urn:microsoft.com/office/officeart/2008/layout/HalfCircleOrganizationChart"/>
     <dgm:cxn modelId="{384CC19F-D8EA-432B-8203-860E4072FDCC}" srcId="{1D4AF7C2-0A11-4DCD-B00E-57C5A9096C4C}" destId="{911A85D1-D2C2-4A55-82B7-ADD4D50B7D70}" srcOrd="0" destOrd="0" parTransId="{9FBEED26-3A6D-47DA-A332-9D74B6D5D309}" sibTransId="{51F52CA8-FBC0-4C13-86BC-1D0B09C5E675}"/>
-    <dgm:cxn modelId="{ABF74739-F948-4555-BEF1-038164963BCD}" srcId="{39D4B245-3BBD-496A-A9DC-28AAC20DCEB4}" destId="{A8156C10-F891-4CA0-88DB-55A5793ABD98}" srcOrd="1" destOrd="0" parTransId="{CF23ACB5-14C4-46A9-AD3D-0FA22BAFBB8E}" sibTransId="{50331481-F798-4EDF-99DD-96AAFC04211E}"/>
-    <dgm:cxn modelId="{B2050A2D-D257-41AA-A490-FCC97370C97A}" type="presOf" srcId="{1D4AF7C2-0A11-4DCD-B00E-57C5A9096C4C}" destId="{B384C985-9C62-4061-AE77-B0B804EF616E}" srcOrd="0" destOrd="0" presId="urn:microsoft.com/office/officeart/2008/layout/HalfCircleOrganizationChart"/>
-    <dgm:cxn modelId="{CAF6A236-2AA6-4FEA-A7BE-FEECC89EB5B2}" type="presOf" srcId="{621401ED-233F-436F-9192-10BB9CCBA226}" destId="{A5AD954F-1CBF-4CFF-9B1A-2B8B141448D6}" srcOrd="0" destOrd="0" presId="urn:microsoft.com/office/officeart/2008/layout/HalfCircleOrganizationChart"/>
-    <dgm:cxn modelId="{D481B6BC-7CD3-4BB7-A637-595DF42B5923}" srcId="{75454670-C255-478B-BB11-5540BA9CD2C6}" destId="{CDF7DAF2-625E-4C75-BD65-BE63C990B995}" srcOrd="0" destOrd="0" parTransId="{319C9102-742E-4C3B-A150-CE6B91CD595B}" sibTransId="{C6EBA3C6-3512-4F41-A9BF-8D4C9B4A86B0}"/>
-    <dgm:cxn modelId="{DEBDC105-FE3B-484B-A251-766E141BAAB5}" srcId="{584FF4CB-9D3E-4A3D-A363-67DF40A267EE}" destId="{39D4B245-3BBD-496A-A9DC-28AAC20DCEB4}" srcOrd="0" destOrd="0" parTransId="{2A7AA7D4-BE2F-4E3D-B396-8568C3BF07B1}" sibTransId="{5713FDE6-C7C8-43B3-9000-F88004B172CC}"/>
-    <dgm:cxn modelId="{59DEB087-0433-46C8-B24F-A98B7FFE7EE3}" type="presOf" srcId="{9FBEED26-3A6D-47DA-A332-9D74B6D5D309}" destId="{AE54E42F-9750-455C-9191-5F33BD553E69}" srcOrd="0" destOrd="0" presId="urn:microsoft.com/office/officeart/2008/layout/HalfCircleOrganizationChart"/>
-    <dgm:cxn modelId="{2B772CC0-D92A-4994-AFBB-3EDD2359A5AF}" type="presOf" srcId="{34CE6F19-CBC7-4FB2-BE26-2E998DAFBE00}" destId="{B1DA5BEC-CB9E-4B48-A5F5-A7DCF38FE481}" srcOrd="1" destOrd="0" presId="urn:microsoft.com/office/officeart/2008/layout/HalfCircleOrganizationChart"/>
-    <dgm:cxn modelId="{99968B38-9E6E-4E49-957D-AA4EC3641770}" type="presOf" srcId="{67CBC7C6-90C3-4DE7-B652-1F269C7350DF}" destId="{7EEB8A3D-A3D8-4A38-A415-F9390BD34454}" srcOrd="0" destOrd="0" presId="urn:microsoft.com/office/officeart/2008/layout/HalfCircleOrganizationChart"/>
-    <dgm:cxn modelId="{478BC9EA-F507-41AE-A54A-36B940439095}" srcId="{34CE6F19-CBC7-4FB2-BE26-2E998DAFBE00}" destId="{75454670-C255-478B-BB11-5540BA9CD2C6}" srcOrd="1" destOrd="0" parTransId="{D319E4FA-A07F-4EE1-A2B2-6F3AF1A09673}" sibTransId="{5691EDF0-314F-4F06-9176-461DDE2D781A}"/>
-    <dgm:cxn modelId="{B23C9BFB-9BCB-4CBA-9315-F8C4ABACA990}" type="presOf" srcId="{A8156C10-F891-4CA0-88DB-55A5793ABD98}" destId="{09AA61B8-33A2-405D-A67E-A6F39493B615}" srcOrd="0" destOrd="0" presId="urn:microsoft.com/office/officeart/2008/layout/HalfCircleOrganizationChart"/>
-    <dgm:cxn modelId="{A17C2AC6-BBDE-423D-9BD9-7DBBB75CF940}" srcId="{584FF4CB-9D3E-4A3D-A363-67DF40A267EE}" destId="{B2753DE6-0E28-4532-B71C-516C18D65604}" srcOrd="2" destOrd="0" parTransId="{10ACF15F-7AFE-4F00-A519-27B2B87E5127}" sibTransId="{DE730AAF-36DC-4E33-8C8C-F9808A0AFE58}"/>
-    <dgm:cxn modelId="{43CAB3CE-2AED-4769-B61F-D1D8D1384F86}" type="presOf" srcId="{A8156C10-F891-4CA0-88DB-55A5793ABD98}" destId="{F93E727B-C6B8-42E7-B644-CAAEDDFAD46F}" srcOrd="1" destOrd="0" presId="urn:microsoft.com/office/officeart/2008/layout/HalfCircleOrganizationChart"/>
-    <dgm:cxn modelId="{BB6D789C-87C3-4CBA-98EA-76F8493CB535}" type="presOf" srcId="{75454670-C255-478B-BB11-5540BA9CD2C6}" destId="{A1A0865E-5578-4F84-AB1A-7892F3427951}" srcOrd="0" destOrd="0" presId="urn:microsoft.com/office/officeart/2008/layout/HalfCircleOrganizationChart"/>
-    <dgm:cxn modelId="{969E9CA1-8F36-4FBF-98E2-374C336E2245}" type="presOf" srcId="{5CF82DB7-364D-4817-B62E-E2016FF0AAE4}" destId="{532DE9B3-9F92-4857-94ED-C59EED1AF4D8}" srcOrd="0" destOrd="0" presId="urn:microsoft.com/office/officeart/2008/layout/HalfCircleOrganizationChart"/>
-    <dgm:cxn modelId="{5584E85A-9200-4672-9D8A-D8503C508710}" type="presOf" srcId="{CF23ACB5-14C4-46A9-AD3D-0FA22BAFBB8E}" destId="{C8264BCE-F66C-43CD-9BCB-E610FD763A54}" srcOrd="0" destOrd="0" presId="urn:microsoft.com/office/officeart/2008/layout/HalfCircleOrganizationChart"/>
-    <dgm:cxn modelId="{74929604-1573-445C-A9A3-61699379D00A}" srcId="{1D4AF7C2-0A11-4DCD-B00E-57C5A9096C4C}" destId="{CD85CAC5-FD53-4645-9B97-53EF823D7874}" srcOrd="1" destOrd="0" parTransId="{33C59963-8762-4EE2-AD2D-A2C95FC37093}" sibTransId="{D2611815-A86F-4CBD-9033-6DE4973DCB71}"/>
-    <dgm:cxn modelId="{F25F0AD8-04AD-4B97-951D-A1B02735E215}" type="presOf" srcId="{F1E81E94-7DC5-4B6B-9B4C-F238CB338709}" destId="{DA44B93A-AC35-4250-861D-833F3E0F58EC}" srcOrd="1" destOrd="0" presId="urn:microsoft.com/office/officeart/2008/layout/HalfCircleOrganizationChart"/>
-    <dgm:cxn modelId="{DF7D8FC4-CA31-4632-869B-09E501DA39C3}" type="presOf" srcId="{F1E81E94-7DC5-4B6B-9B4C-F238CB338709}" destId="{DB1D3D55-3021-4A24-9C6F-5100DDEEE5BA}" srcOrd="0" destOrd="0" presId="urn:microsoft.com/office/officeart/2008/layout/HalfCircleOrganizationChart"/>
-    <dgm:cxn modelId="{CE83146A-0B7E-4A07-9197-C8D29E56E618}" type="presOf" srcId="{B2753DE6-0E28-4532-B71C-516C18D65604}" destId="{BE4FEACC-EB3E-47AB-AE2F-F635F8188F4C}" srcOrd="0" destOrd="0" presId="urn:microsoft.com/office/officeart/2008/layout/HalfCircleOrganizationChart"/>
-    <dgm:cxn modelId="{64A66001-2590-4276-9D9A-AA8E03FF716F}" type="presOf" srcId="{39D4B245-3BBD-496A-A9DC-28AAC20DCEB4}" destId="{FDE48BCF-F7CC-43A7-A4C5-2826C308CF22}" srcOrd="0" destOrd="0" presId="urn:microsoft.com/office/officeart/2008/layout/HalfCircleOrganizationChart"/>
-    <dgm:cxn modelId="{EB71EAD8-3B2E-4D42-A70F-87DBF11A50BF}" type="presOf" srcId="{CDF7DAF2-625E-4C75-BD65-BE63C990B995}" destId="{C79371F5-8E3F-4089-ADB7-2AA5881F03E7}" srcOrd="1" destOrd="0" presId="urn:microsoft.com/office/officeart/2008/layout/HalfCircleOrganizationChart"/>
+    <dgm:cxn modelId="{C1CC1EC3-CFB4-49EC-B95F-9631F671BA01}" srcId="{CDF7DAF2-625E-4C75-BD65-BE63C990B995}" destId="{584FF4CB-9D3E-4A3D-A363-67DF40A267EE}" srcOrd="0" destOrd="0" parTransId="{3B00D38E-88F8-4DA0-9216-F0A881847407}" sibTransId="{87CB9D6F-6D62-42CB-838B-A1DF62C400AD}"/>
     <dgm:cxn modelId="{036B2B4A-8B06-4CC4-AB6F-64C48BDAD4B5}" type="presParOf" srcId="{E636C59B-2A79-4059-824B-472446EC08C8}" destId="{C539B254-0554-4E44-841B-BF060DADED57}" srcOrd="0" destOrd="0" presId="urn:microsoft.com/office/officeart/2008/layout/HalfCircleOrganizationChart"/>
     <dgm:cxn modelId="{85FD0148-94EB-4BE5-990F-9F94672137C0}" type="presParOf" srcId="{C539B254-0554-4E44-841B-BF060DADED57}" destId="{683C40B3-25C8-4AE4-89F3-3A6A22EA75AB}" srcOrd="0" destOrd="0" presId="urn:microsoft.com/office/officeart/2008/layout/HalfCircleOrganizationChart"/>
     <dgm:cxn modelId="{53E4C3CF-DDBD-4CEF-857B-7C67F32CFA40}" type="presParOf" srcId="{683C40B3-25C8-4AE4-89F3-3A6A22EA75AB}" destId="{13B1E43F-7C56-4734-8727-2604F4EAC304}" srcOrd="0" destOrd="0" presId="urn:microsoft.com/office/officeart/2008/layout/HalfCircleOrganizationChart"/>
@@ -8533,8 +8533,16 @@
         <a:lstStyle/>
         <a:p>
           <a:r>
+            <a:rPr lang="en-US" dirty="0" err="1" smtClean="0"/>
+            <a:t>CodeFirst</a:t>
+          </a:r>
+          <a:r>
             <a:rPr lang="en-US" dirty="0" smtClean="0"/>
-            <a:t>CF Migrations</a:t>
+            <a:t> </a:t>
+          </a:r>
+          <a:r>
+            <a:rPr lang="en-US" dirty="0" smtClean="0"/>
+            <a:t>Migrations</a:t>
           </a:r>
           <a:endParaRPr lang="ru-RU" dirty="0"/>
         </a:p>
@@ -8599,6 +8607,43 @@
         </a:p>
       </dgm:t>
     </dgm:pt>
+    <dgm:pt modelId="{5BA26932-A683-4292-AF46-74C237D594AE}">
+      <dgm:prSet phldrT="[Текст]"/>
+      <dgm:spPr/>
+      <dgm:t>
+        <a:bodyPr/>
+        <a:lstStyle/>
+        <a:p>
+          <a:r>
+            <a:rPr lang="en-US" dirty="0" smtClean="0"/>
+            <a:t>.NET Framework</a:t>
+          </a:r>
+          <a:endParaRPr lang="ru-RU" dirty="0"/>
+        </a:p>
+      </dgm:t>
+    </dgm:pt>
+    <dgm:pt modelId="{C59C8AF9-32B8-496C-AA67-F40CA8528299}" type="parTrans" cxnId="{7C1BC813-13CD-40BA-8B3C-9B1E71B3528C}">
+      <dgm:prSet/>
+      <dgm:spPr/>
+      <dgm:t>
+        <a:bodyPr/>
+        <a:lstStyle/>
+        <a:p>
+          <a:endParaRPr lang="ru-RU"/>
+        </a:p>
+      </dgm:t>
+    </dgm:pt>
+    <dgm:pt modelId="{A73B5604-CEBE-4BC8-8CE0-87AC75C675F0}" type="sibTrans" cxnId="{7C1BC813-13CD-40BA-8B3C-9B1E71B3528C}">
+      <dgm:prSet/>
+      <dgm:spPr/>
+      <dgm:t>
+        <a:bodyPr/>
+        <a:lstStyle/>
+        <a:p>
+          <a:endParaRPr lang="ru-RU"/>
+        </a:p>
+      </dgm:t>
+    </dgm:pt>
     <dgm:pt modelId="{1ECDCA2F-96B1-4219-B06E-307D3C427123}" type="pres">
       <dgm:prSet presAssocID="{48411A66-D39E-4E8E-9119-05F44F242EAA}" presName="layout" presStyleCnt="0">
         <dgm:presLayoutVars>
@@ -8641,7 +8686,7 @@
       <dgm:spPr/>
     </dgm:pt>
     <dgm:pt modelId="{F6ABB932-9241-4968-9158-851CD63F68A5}" type="pres">
-      <dgm:prSet presAssocID="{0E1CE207-A801-45CD-B89C-EA0B2117BBBD}" presName="Parent" presStyleLbl="revTx" presStyleIdx="0" presStyleCnt="19">
+      <dgm:prSet presAssocID="{0E1CE207-A801-45CD-B89C-EA0B2117BBBD}" presName="Parent" presStyleLbl="revTx" presStyleIdx="0" presStyleCnt="20">
         <dgm:presLayoutVars>
           <dgm:chMax/>
           <dgm:chPref val="4"/>
@@ -8676,11 +8721,11 @@
       <dgm:spPr/>
     </dgm:pt>
     <dgm:pt modelId="{D646BA5C-6839-46EA-ADF1-FDEAAD5CFDB3}" type="pres">
-      <dgm:prSet presAssocID="{D013CFE7-7F4F-4C94-83CE-7395C3324BC9}" presName="ChildAccent" presStyleLbl="solidFgAcc1" presStyleIdx="0" presStyleCnt="16"/>
+      <dgm:prSet presAssocID="{D013CFE7-7F4F-4C94-83CE-7395C3324BC9}" presName="ChildAccent" presStyleLbl="solidFgAcc1" presStyleIdx="0" presStyleCnt="17"/>
       <dgm:spPr/>
     </dgm:pt>
     <dgm:pt modelId="{B038B5FF-3C4F-4CBC-B236-7D382E068250}" type="pres">
-      <dgm:prSet presAssocID="{D013CFE7-7F4F-4C94-83CE-7395C3324BC9}" presName="Child" presStyleLbl="revTx" presStyleIdx="1" presStyleCnt="19">
+      <dgm:prSet presAssocID="{D013CFE7-7F4F-4C94-83CE-7395C3324BC9}" presName="Child" presStyleLbl="revTx" presStyleIdx="1" presStyleCnt="20">
         <dgm:presLayoutVars>
           <dgm:chMax val="0"/>
           <dgm:chPref val="0"/>
@@ -8706,11 +8751,11 @@
       <dgm:spPr/>
     </dgm:pt>
     <dgm:pt modelId="{4AE10115-0416-4CBB-827F-8B3321CC6809}" type="pres">
-      <dgm:prSet presAssocID="{7994C6F6-FA83-4B1F-B743-AD1DDA1B4D09}" presName="ChildAccent" presStyleLbl="solidFgAcc1" presStyleIdx="1" presStyleCnt="16"/>
+      <dgm:prSet presAssocID="{7994C6F6-FA83-4B1F-B743-AD1DDA1B4D09}" presName="ChildAccent" presStyleLbl="solidFgAcc1" presStyleIdx="1" presStyleCnt="17"/>
       <dgm:spPr/>
     </dgm:pt>
     <dgm:pt modelId="{9C741C6F-7495-4D33-875F-3017DE906012}" type="pres">
-      <dgm:prSet presAssocID="{7994C6F6-FA83-4B1F-B743-AD1DDA1B4D09}" presName="Child" presStyleLbl="revTx" presStyleIdx="2" presStyleCnt="19">
+      <dgm:prSet presAssocID="{7994C6F6-FA83-4B1F-B743-AD1DDA1B4D09}" presName="Child" presStyleLbl="revTx" presStyleIdx="2" presStyleCnt="20">
         <dgm:presLayoutVars>
           <dgm:chMax val="0"/>
           <dgm:chPref val="0"/>
@@ -8750,7 +8795,7 @@
       <dgm:spPr/>
     </dgm:pt>
     <dgm:pt modelId="{03020688-6972-49B3-B295-525AECCB94F8}" type="pres">
-      <dgm:prSet presAssocID="{E8A452AD-B6BE-494A-9B4B-96117FBAC6A0}" presName="Parent" presStyleLbl="revTx" presStyleIdx="3" presStyleCnt="19">
+      <dgm:prSet presAssocID="{E8A452AD-B6BE-494A-9B4B-96117FBAC6A0}" presName="Parent" presStyleLbl="revTx" presStyleIdx="3" presStyleCnt="20">
         <dgm:presLayoutVars>
           <dgm:chMax/>
           <dgm:chPref val="4"/>
@@ -8775,6 +8820,36 @@
       </dgm:prSet>
       <dgm:spPr/>
     </dgm:pt>
+    <dgm:pt modelId="{5C70896E-56D7-4658-8726-611E11D0B5B2}" type="pres">
+      <dgm:prSet presAssocID="{5BA26932-A683-4292-AF46-74C237D594AE}" presName="childComposite" presStyleCnt="0">
+        <dgm:presLayoutVars>
+          <dgm:chMax val="0"/>
+          <dgm:chPref val="0"/>
+        </dgm:presLayoutVars>
+      </dgm:prSet>
+      <dgm:spPr/>
+    </dgm:pt>
+    <dgm:pt modelId="{544A5347-B577-4807-87CC-9C7FF64B115A}" type="pres">
+      <dgm:prSet presAssocID="{5BA26932-A683-4292-AF46-74C237D594AE}" presName="ChildAccent" presStyleLbl="solidFgAcc1" presStyleIdx="2" presStyleCnt="17"/>
+      <dgm:spPr/>
+    </dgm:pt>
+    <dgm:pt modelId="{947D31BF-2852-4702-997D-3FA0197A50C8}" type="pres">
+      <dgm:prSet presAssocID="{5BA26932-A683-4292-AF46-74C237D594AE}" presName="Child" presStyleLbl="revTx" presStyleIdx="4" presStyleCnt="20">
+        <dgm:presLayoutVars>
+          <dgm:chMax val="0"/>
+          <dgm:chPref val="0"/>
+          <dgm:bulletEnabled val="1"/>
+        </dgm:presLayoutVars>
+      </dgm:prSet>
+      <dgm:spPr/>
+      <dgm:t>
+        <a:bodyPr/>
+        <a:lstStyle/>
+        <a:p>
+          <a:endParaRPr lang="ru-RU"/>
+        </a:p>
+      </dgm:t>
+    </dgm:pt>
     <dgm:pt modelId="{E1C2B8B2-0C2A-429D-ACBD-7B03538F0749}" type="pres">
       <dgm:prSet presAssocID="{FF50461D-4C64-4D9B-8D3A-EFACE962BBCF}" presName="childComposite" presStyleCnt="0">
         <dgm:presLayoutVars>
@@ -8785,11 +8860,11 @@
       <dgm:spPr/>
     </dgm:pt>
     <dgm:pt modelId="{FE93E942-BFB3-4A7B-9563-E210142438E0}" type="pres">
-      <dgm:prSet presAssocID="{FF50461D-4C64-4D9B-8D3A-EFACE962BBCF}" presName="ChildAccent" presStyleLbl="solidFgAcc1" presStyleIdx="2" presStyleCnt="16"/>
+      <dgm:prSet presAssocID="{FF50461D-4C64-4D9B-8D3A-EFACE962BBCF}" presName="ChildAccent" presStyleLbl="solidFgAcc1" presStyleIdx="3" presStyleCnt="17"/>
       <dgm:spPr/>
     </dgm:pt>
     <dgm:pt modelId="{2E7E8A82-0E92-4242-98CB-EEA78C2DA3B5}" type="pres">
-      <dgm:prSet presAssocID="{FF50461D-4C64-4D9B-8D3A-EFACE962BBCF}" presName="Child" presStyleLbl="revTx" presStyleIdx="4" presStyleCnt="19">
+      <dgm:prSet presAssocID="{FF50461D-4C64-4D9B-8D3A-EFACE962BBCF}" presName="Child" presStyleLbl="revTx" presStyleIdx="5" presStyleCnt="20">
         <dgm:presLayoutVars>
           <dgm:chMax val="0"/>
           <dgm:chPref val="0"/>
@@ -8815,11 +8890,11 @@
       <dgm:spPr/>
     </dgm:pt>
     <dgm:pt modelId="{594261F2-2659-417B-A270-B1EB83C0E35B}" type="pres">
-      <dgm:prSet presAssocID="{F2519E0D-4880-47A3-AC65-8E2687987ABD}" presName="ChildAccent" presStyleLbl="solidFgAcc1" presStyleIdx="3" presStyleCnt="16"/>
+      <dgm:prSet presAssocID="{F2519E0D-4880-47A3-AC65-8E2687987ABD}" presName="ChildAccent" presStyleLbl="solidFgAcc1" presStyleIdx="4" presStyleCnt="17"/>
       <dgm:spPr/>
     </dgm:pt>
     <dgm:pt modelId="{2E8E68AF-D9C7-4C74-B7E1-1714170446FC}" type="pres">
-      <dgm:prSet presAssocID="{F2519E0D-4880-47A3-AC65-8E2687987ABD}" presName="Child" presStyleLbl="revTx" presStyleIdx="5" presStyleCnt="19">
+      <dgm:prSet presAssocID="{F2519E0D-4880-47A3-AC65-8E2687987ABD}" presName="Child" presStyleLbl="revTx" presStyleIdx="6" presStyleCnt="20">
         <dgm:presLayoutVars>
           <dgm:chMax val="0"/>
           <dgm:chPref val="0"/>
@@ -8845,11 +8920,11 @@
       <dgm:spPr/>
     </dgm:pt>
     <dgm:pt modelId="{9659C9B6-1441-4A3D-BA99-B0F620DECAFA}" type="pres">
-      <dgm:prSet presAssocID="{58348F03-26F5-4120-BDFE-C14FF403284A}" presName="ChildAccent" presStyleLbl="solidFgAcc1" presStyleIdx="4" presStyleCnt="16"/>
+      <dgm:prSet presAssocID="{58348F03-26F5-4120-BDFE-C14FF403284A}" presName="ChildAccent" presStyleLbl="solidFgAcc1" presStyleIdx="5" presStyleCnt="17"/>
       <dgm:spPr/>
     </dgm:pt>
     <dgm:pt modelId="{CE36F25B-A39D-4A36-A5AA-9CD951BA5994}" type="pres">
-      <dgm:prSet presAssocID="{58348F03-26F5-4120-BDFE-C14FF403284A}" presName="Child" presStyleLbl="revTx" presStyleIdx="6" presStyleCnt="19">
+      <dgm:prSet presAssocID="{58348F03-26F5-4120-BDFE-C14FF403284A}" presName="Child" presStyleLbl="revTx" presStyleIdx="7" presStyleCnt="20">
         <dgm:presLayoutVars>
           <dgm:chMax val="0"/>
           <dgm:chPref val="0"/>
@@ -8875,11 +8950,11 @@
       <dgm:spPr/>
     </dgm:pt>
     <dgm:pt modelId="{BF7E46A3-DB05-4BFD-AFB5-34C32DFFEADD}" type="pres">
-      <dgm:prSet presAssocID="{1A9F2465-150B-4818-8D96-D1DD84CE6C59}" presName="ChildAccent" presStyleLbl="solidFgAcc1" presStyleIdx="5" presStyleCnt="16"/>
+      <dgm:prSet presAssocID="{1A9F2465-150B-4818-8D96-D1DD84CE6C59}" presName="ChildAccent" presStyleLbl="solidFgAcc1" presStyleIdx="6" presStyleCnt="17"/>
       <dgm:spPr/>
     </dgm:pt>
     <dgm:pt modelId="{5C8ECC2E-6E08-4965-B0B6-B91DCBBA9677}" type="pres">
-      <dgm:prSet presAssocID="{1A9F2465-150B-4818-8D96-D1DD84CE6C59}" presName="Child" presStyleLbl="revTx" presStyleIdx="7" presStyleCnt="19">
+      <dgm:prSet presAssocID="{1A9F2465-150B-4818-8D96-D1DD84CE6C59}" presName="Child" presStyleLbl="revTx" presStyleIdx="8" presStyleCnt="20">
         <dgm:presLayoutVars>
           <dgm:chMax val="0"/>
           <dgm:chPref val="0"/>
@@ -8905,11 +8980,11 @@
       <dgm:spPr/>
     </dgm:pt>
     <dgm:pt modelId="{D4D35BC4-158C-4338-8180-6DB10965EC12}" type="pres">
-      <dgm:prSet presAssocID="{17BFDD1B-3239-4A5F-A373-EB0F41F283E7}" presName="ChildAccent" presStyleLbl="solidFgAcc1" presStyleIdx="6" presStyleCnt="16"/>
+      <dgm:prSet presAssocID="{17BFDD1B-3239-4A5F-A373-EB0F41F283E7}" presName="ChildAccent" presStyleLbl="solidFgAcc1" presStyleIdx="7" presStyleCnt="17"/>
       <dgm:spPr/>
     </dgm:pt>
     <dgm:pt modelId="{E284AC63-A689-4015-ACCA-5DE5245833FF}" type="pres">
-      <dgm:prSet presAssocID="{17BFDD1B-3239-4A5F-A373-EB0F41F283E7}" presName="Child" presStyleLbl="revTx" presStyleIdx="8" presStyleCnt="19">
+      <dgm:prSet presAssocID="{17BFDD1B-3239-4A5F-A373-EB0F41F283E7}" presName="Child" presStyleLbl="revTx" presStyleIdx="9" presStyleCnt="20">
         <dgm:presLayoutVars>
           <dgm:chMax val="0"/>
           <dgm:chPref val="0"/>
@@ -8935,11 +9010,11 @@
       <dgm:spPr/>
     </dgm:pt>
     <dgm:pt modelId="{02CFCB24-87EC-4732-B26C-BCE13F2FF7A4}" type="pres">
-      <dgm:prSet presAssocID="{FEBB280A-6E59-4848-9AF0-09895A0ED0C7}" presName="ChildAccent" presStyleLbl="solidFgAcc1" presStyleIdx="7" presStyleCnt="16"/>
+      <dgm:prSet presAssocID="{FEBB280A-6E59-4848-9AF0-09895A0ED0C7}" presName="ChildAccent" presStyleLbl="solidFgAcc1" presStyleIdx="8" presStyleCnt="17"/>
       <dgm:spPr/>
     </dgm:pt>
     <dgm:pt modelId="{CF72B229-E01D-4BEA-A059-E581F54AD287}" type="pres">
-      <dgm:prSet presAssocID="{FEBB280A-6E59-4848-9AF0-09895A0ED0C7}" presName="Child" presStyleLbl="revTx" presStyleIdx="9" presStyleCnt="19">
+      <dgm:prSet presAssocID="{FEBB280A-6E59-4848-9AF0-09895A0ED0C7}" presName="Child" presStyleLbl="revTx" presStyleIdx="10" presStyleCnt="20">
         <dgm:presLayoutVars>
           <dgm:chMax val="0"/>
           <dgm:chPref val="0"/>
@@ -8979,7 +9054,7 @@
       <dgm:spPr/>
     </dgm:pt>
     <dgm:pt modelId="{A5BFB879-9695-48A0-A66E-14D56952E489}" type="pres">
-      <dgm:prSet presAssocID="{5F20122B-EDCB-424D-B1C7-5CFC0C92F431}" presName="Parent" presStyleLbl="revTx" presStyleIdx="10" presStyleCnt="19">
+      <dgm:prSet presAssocID="{5F20122B-EDCB-424D-B1C7-5CFC0C92F431}" presName="Parent" presStyleLbl="revTx" presStyleIdx="11" presStyleCnt="20">
         <dgm:presLayoutVars>
           <dgm:chMax/>
           <dgm:chPref val="4"/>
@@ -9014,11 +9089,11 @@
       <dgm:spPr/>
     </dgm:pt>
     <dgm:pt modelId="{24BE4F5C-B31E-43A2-BE8B-EFBC3E3FFFBE}" type="pres">
-      <dgm:prSet presAssocID="{9CDF2D39-A722-4FEA-B0BB-6D5AEC1BD55F}" presName="ChildAccent" presStyleLbl="solidFgAcc1" presStyleIdx="8" presStyleCnt="16"/>
+      <dgm:prSet presAssocID="{9CDF2D39-A722-4FEA-B0BB-6D5AEC1BD55F}" presName="ChildAccent" presStyleLbl="solidFgAcc1" presStyleIdx="9" presStyleCnt="17"/>
       <dgm:spPr/>
     </dgm:pt>
     <dgm:pt modelId="{D3F1BA83-21AD-4633-BF86-C57984EB6762}" type="pres">
-      <dgm:prSet presAssocID="{9CDF2D39-A722-4FEA-B0BB-6D5AEC1BD55F}" presName="Child" presStyleLbl="revTx" presStyleIdx="11" presStyleCnt="19">
+      <dgm:prSet presAssocID="{9CDF2D39-A722-4FEA-B0BB-6D5AEC1BD55F}" presName="Child" presStyleLbl="revTx" presStyleIdx="12" presStyleCnt="20">
         <dgm:presLayoutVars>
           <dgm:chMax val="0"/>
           <dgm:chPref val="0"/>
@@ -9044,11 +9119,11 @@
       <dgm:spPr/>
     </dgm:pt>
     <dgm:pt modelId="{9BF253E1-586C-4FDE-92CA-7BCC243F0B9E}" type="pres">
-      <dgm:prSet presAssocID="{84732C0E-0B3C-45A0-A364-66F425218D04}" presName="ChildAccent" presStyleLbl="solidFgAcc1" presStyleIdx="9" presStyleCnt="16"/>
+      <dgm:prSet presAssocID="{84732C0E-0B3C-45A0-A364-66F425218D04}" presName="ChildAccent" presStyleLbl="solidFgAcc1" presStyleIdx="10" presStyleCnt="17"/>
       <dgm:spPr/>
     </dgm:pt>
     <dgm:pt modelId="{D788DB07-53AD-4F0B-B100-3D391B06AE9E}" type="pres">
-      <dgm:prSet presAssocID="{84732C0E-0B3C-45A0-A364-66F425218D04}" presName="Child" presStyleLbl="revTx" presStyleIdx="12" presStyleCnt="19">
+      <dgm:prSet presAssocID="{84732C0E-0B3C-45A0-A364-66F425218D04}" presName="Child" presStyleLbl="revTx" presStyleIdx="13" presStyleCnt="20">
         <dgm:presLayoutVars>
           <dgm:chMax val="0"/>
           <dgm:chPref val="0"/>
@@ -9074,11 +9149,11 @@
       <dgm:spPr/>
     </dgm:pt>
     <dgm:pt modelId="{220E953D-294A-4B32-8F08-DCBF9F18A28C}" type="pres">
-      <dgm:prSet presAssocID="{C9C07E56-A0CE-418A-95A6-A2BC6613977D}" presName="ChildAccent" presStyleLbl="solidFgAcc1" presStyleIdx="10" presStyleCnt="16"/>
+      <dgm:prSet presAssocID="{C9C07E56-A0CE-418A-95A6-A2BC6613977D}" presName="ChildAccent" presStyleLbl="solidFgAcc1" presStyleIdx="11" presStyleCnt="17"/>
       <dgm:spPr/>
     </dgm:pt>
     <dgm:pt modelId="{B6DC74F5-3BE5-4AD0-8E44-BE94087C4136}" type="pres">
-      <dgm:prSet presAssocID="{C9C07E56-A0CE-418A-95A6-A2BC6613977D}" presName="Child" presStyleLbl="revTx" presStyleIdx="13" presStyleCnt="19">
+      <dgm:prSet presAssocID="{C9C07E56-A0CE-418A-95A6-A2BC6613977D}" presName="Child" presStyleLbl="revTx" presStyleIdx="14" presStyleCnt="20">
         <dgm:presLayoutVars>
           <dgm:chMax val="0"/>
           <dgm:chPref val="0"/>
@@ -9104,11 +9179,11 @@
       <dgm:spPr/>
     </dgm:pt>
     <dgm:pt modelId="{02BC2A3C-3D11-463F-9600-DBE382ADDC5C}" type="pres">
-      <dgm:prSet presAssocID="{7CB69140-D138-43D2-86A7-20EAE55EFB38}" presName="ChildAccent" presStyleLbl="solidFgAcc1" presStyleIdx="11" presStyleCnt="16"/>
+      <dgm:prSet presAssocID="{7CB69140-D138-43D2-86A7-20EAE55EFB38}" presName="ChildAccent" presStyleLbl="solidFgAcc1" presStyleIdx="12" presStyleCnt="17"/>
       <dgm:spPr/>
     </dgm:pt>
     <dgm:pt modelId="{BEDF50C2-C525-4DC1-A1F4-BE674EB8F7EA}" type="pres">
-      <dgm:prSet presAssocID="{7CB69140-D138-43D2-86A7-20EAE55EFB38}" presName="Child" presStyleLbl="revTx" presStyleIdx="14" presStyleCnt="19">
+      <dgm:prSet presAssocID="{7CB69140-D138-43D2-86A7-20EAE55EFB38}" presName="Child" presStyleLbl="revTx" presStyleIdx="15" presStyleCnt="20">
         <dgm:presLayoutVars>
           <dgm:chMax val="0"/>
           <dgm:chPref val="0"/>
@@ -9134,11 +9209,11 @@
       <dgm:spPr/>
     </dgm:pt>
     <dgm:pt modelId="{BC807CEB-0A3F-46DB-B745-4BA0005D377F}" type="pres">
-      <dgm:prSet presAssocID="{70200A69-079B-47A2-8170-6069D8752C1B}" presName="ChildAccent" presStyleLbl="solidFgAcc1" presStyleIdx="12" presStyleCnt="16"/>
+      <dgm:prSet presAssocID="{70200A69-079B-47A2-8170-6069D8752C1B}" presName="ChildAccent" presStyleLbl="solidFgAcc1" presStyleIdx="13" presStyleCnt="17"/>
       <dgm:spPr/>
     </dgm:pt>
     <dgm:pt modelId="{02D660EE-4C1B-407A-8DD7-A6F6C419EC67}" type="pres">
-      <dgm:prSet presAssocID="{70200A69-079B-47A2-8170-6069D8752C1B}" presName="Child" presStyleLbl="revTx" presStyleIdx="15" presStyleCnt="19">
+      <dgm:prSet presAssocID="{70200A69-079B-47A2-8170-6069D8752C1B}" presName="Child" presStyleLbl="revTx" presStyleIdx="16" presStyleCnt="20">
         <dgm:presLayoutVars>
           <dgm:chMax val="0"/>
           <dgm:chPref val="0"/>
@@ -9164,11 +9239,11 @@
       <dgm:spPr/>
     </dgm:pt>
     <dgm:pt modelId="{4D69AF63-386C-48DF-8106-9363A1260ABF}" type="pres">
-      <dgm:prSet presAssocID="{AC810DDB-16ED-4307-BA2D-FDA078DBABC4}" presName="ChildAccent" presStyleLbl="solidFgAcc1" presStyleIdx="13" presStyleCnt="16"/>
+      <dgm:prSet presAssocID="{AC810DDB-16ED-4307-BA2D-FDA078DBABC4}" presName="ChildAccent" presStyleLbl="solidFgAcc1" presStyleIdx="14" presStyleCnt="17"/>
       <dgm:spPr/>
     </dgm:pt>
     <dgm:pt modelId="{F684FD80-C1EB-4A69-9EBB-EFFFBF010FC8}" type="pres">
-      <dgm:prSet presAssocID="{AC810DDB-16ED-4307-BA2D-FDA078DBABC4}" presName="Child" presStyleLbl="revTx" presStyleIdx="16" presStyleCnt="19">
+      <dgm:prSet presAssocID="{AC810DDB-16ED-4307-BA2D-FDA078DBABC4}" presName="Child" presStyleLbl="revTx" presStyleIdx="17" presStyleCnt="20">
         <dgm:presLayoutVars>
           <dgm:chMax val="0"/>
           <dgm:chPref val="0"/>
@@ -9194,11 +9269,11 @@
       <dgm:spPr/>
     </dgm:pt>
     <dgm:pt modelId="{5616E670-3212-4478-A4A7-DA85A5E0C3BC}" type="pres">
-      <dgm:prSet presAssocID="{780B36A6-50F3-4592-A526-0FF2A6633F0E}" presName="ChildAccent" presStyleLbl="solidFgAcc1" presStyleIdx="14" presStyleCnt="16"/>
+      <dgm:prSet presAssocID="{780B36A6-50F3-4592-A526-0FF2A6633F0E}" presName="ChildAccent" presStyleLbl="solidFgAcc1" presStyleIdx="15" presStyleCnt="17"/>
       <dgm:spPr/>
     </dgm:pt>
     <dgm:pt modelId="{E8957793-0D15-4911-95F2-14D06E26BD35}" type="pres">
-      <dgm:prSet presAssocID="{780B36A6-50F3-4592-A526-0FF2A6633F0E}" presName="Child" presStyleLbl="revTx" presStyleIdx="17" presStyleCnt="19">
+      <dgm:prSet presAssocID="{780B36A6-50F3-4592-A526-0FF2A6633F0E}" presName="Child" presStyleLbl="revTx" presStyleIdx="18" presStyleCnt="20">
         <dgm:presLayoutVars>
           <dgm:chMax val="0"/>
           <dgm:chPref val="0"/>
@@ -9224,11 +9299,11 @@
       <dgm:spPr/>
     </dgm:pt>
     <dgm:pt modelId="{8EEC946B-F51B-4471-8488-57C84CD1A21C}" type="pres">
-      <dgm:prSet presAssocID="{E557FC68-91E8-4961-A525-0A1710881802}" presName="ChildAccent" presStyleLbl="solidFgAcc1" presStyleIdx="15" presStyleCnt="16"/>
+      <dgm:prSet presAssocID="{E557FC68-91E8-4961-A525-0A1710881802}" presName="ChildAccent" presStyleLbl="solidFgAcc1" presStyleIdx="16" presStyleCnt="17"/>
       <dgm:spPr/>
     </dgm:pt>
     <dgm:pt modelId="{48CE7DD4-1360-41E7-853F-0D3418EA3165}" type="pres">
-      <dgm:prSet presAssocID="{E557FC68-91E8-4961-A525-0A1710881802}" presName="Child" presStyleLbl="revTx" presStyleIdx="18" presStyleCnt="19">
+      <dgm:prSet presAssocID="{E557FC68-91E8-4961-A525-0A1710881802}" presName="Child" presStyleLbl="revTx" presStyleIdx="19" presStyleCnt="20">
         <dgm:presLayoutVars>
           <dgm:chMax val="0"/>
           <dgm:chPref val="0"/>
@@ -9246,18 +9321,19 @@
     </dgm:pt>
   </dgm:ptLst>
   <dgm:cxnLst>
+    <dgm:cxn modelId="{7C1BC813-13CD-40BA-8B3C-9B1E71B3528C}" srcId="{E8A452AD-B6BE-494A-9B4B-96117FBAC6A0}" destId="{5BA26932-A683-4292-AF46-74C237D594AE}" srcOrd="0" destOrd="0" parTransId="{C59C8AF9-32B8-496C-AA67-F40CA8528299}" sibTransId="{A73B5604-CEBE-4BC8-8CE0-87AC75C675F0}"/>
     <dgm:cxn modelId="{3F2446BE-06A7-4712-8CB6-15E88512818F}" type="presOf" srcId="{70200A69-079B-47A2-8170-6069D8752C1B}" destId="{02D660EE-4C1B-407A-8DD7-A6F6C419EC67}" srcOrd="0" destOrd="0" presId="urn:microsoft.com/office/officeart/2008/layout/SquareAccentList"/>
-    <dgm:cxn modelId="{C26FD142-0DAD-4C73-B79A-39E3D7BEE6A7}" srcId="{E8A452AD-B6BE-494A-9B4B-96117FBAC6A0}" destId="{1A9F2465-150B-4818-8D96-D1DD84CE6C59}" srcOrd="3" destOrd="0" parTransId="{60ACE560-2FAE-442E-A38C-B91C5918372A}" sibTransId="{AE150995-D412-4EEF-9310-4FDC794B9292}"/>
-    <dgm:cxn modelId="{515660E3-C98F-43BC-A524-32267175BCF8}" type="presOf" srcId="{58348F03-26F5-4120-BDFE-C14FF403284A}" destId="{CE36F25B-A39D-4A36-A5AA-9CD951BA5994}" srcOrd="0" destOrd="0" presId="urn:microsoft.com/office/officeart/2008/layout/SquareAccentList"/>
+    <dgm:cxn modelId="{C26FD142-0DAD-4C73-B79A-39E3D7BEE6A7}" srcId="{E8A452AD-B6BE-494A-9B4B-96117FBAC6A0}" destId="{1A9F2465-150B-4818-8D96-D1DD84CE6C59}" srcOrd="4" destOrd="0" parTransId="{60ACE560-2FAE-442E-A38C-B91C5918372A}" sibTransId="{AE150995-D412-4EEF-9310-4FDC794B9292}"/>
+    <dgm:cxn modelId="{D1FB9E2C-260A-46AD-9ACD-58DB10856DE2}" type="presOf" srcId="{1A9F2465-150B-4818-8D96-D1DD84CE6C59}" destId="{5C8ECC2E-6E08-4965-B0B6-B91DCBBA9677}" srcOrd="0" destOrd="0" presId="urn:microsoft.com/office/officeart/2008/layout/SquareAccentList"/>
+    <dgm:cxn modelId="{8490E9FA-15F5-4948-BDD3-8C99C57CCA26}" type="presOf" srcId="{F2519E0D-4880-47A3-AC65-8E2687987ABD}" destId="{2E8E68AF-D9C7-4C74-B7E1-1714170446FC}" srcOrd="0" destOrd="0" presId="urn:microsoft.com/office/officeart/2008/layout/SquareAccentList"/>
     <dgm:cxn modelId="{FE16D096-22F7-4879-890C-D84990792B1F}" type="presOf" srcId="{E557FC68-91E8-4961-A525-0A1710881802}" destId="{48CE7DD4-1360-41E7-853F-0D3418EA3165}" srcOrd="0" destOrd="0" presId="urn:microsoft.com/office/officeart/2008/layout/SquareAccentList"/>
     <dgm:cxn modelId="{B5A5A550-3079-4533-B04C-B50B0736F771}" srcId="{5F20122B-EDCB-424D-B1C7-5CFC0C92F431}" destId="{9CDF2D39-A722-4FEA-B0BB-6D5AEC1BD55F}" srcOrd="0" destOrd="0" parTransId="{0FAF3D55-2405-4EE9-91CD-17741288FA3C}" sibTransId="{DC140083-4ED4-4C05-A56B-7B8BBC232D60}"/>
     <dgm:cxn modelId="{02AFD170-A441-407F-B2AC-0C32B974ED4B}" srcId="{5F20122B-EDCB-424D-B1C7-5CFC0C92F431}" destId="{E557FC68-91E8-4961-A525-0A1710881802}" srcOrd="7" destOrd="0" parTransId="{FAB47F19-E152-4C07-A4C7-F78A38017541}" sibTransId="{D874047A-ABD5-4420-828C-F66B665283C4}"/>
-    <dgm:cxn modelId="{27E80412-A084-4A91-8B22-4D62493BCC81}" srcId="{E8A452AD-B6BE-494A-9B4B-96117FBAC6A0}" destId="{F2519E0D-4880-47A3-AC65-8E2687987ABD}" srcOrd="1" destOrd="0" parTransId="{2A1B74A1-6BBD-4A8E-84A0-CB5714F2504F}" sibTransId="{91EFE0C8-3A56-491A-82B8-2B38CA2CCE71}"/>
+    <dgm:cxn modelId="{27E80412-A084-4A91-8B22-4D62493BCC81}" srcId="{E8A452AD-B6BE-494A-9B4B-96117FBAC6A0}" destId="{F2519E0D-4880-47A3-AC65-8E2687987ABD}" srcOrd="2" destOrd="0" parTransId="{2A1B74A1-6BBD-4A8E-84A0-CB5714F2504F}" sibTransId="{91EFE0C8-3A56-491A-82B8-2B38CA2CCE71}"/>
     <dgm:cxn modelId="{685E131A-C8C4-4CA2-936C-F19FE31E95A2}" type="presOf" srcId="{780B36A6-50F3-4592-A526-0FF2A6633F0E}" destId="{E8957793-0D15-4911-95F2-14D06E26BD35}" srcOrd="0" destOrd="0" presId="urn:microsoft.com/office/officeart/2008/layout/SquareAccentList"/>
-    <dgm:cxn modelId="{A65AFF8B-0B0A-4E66-8386-A158A72C12E4}" srcId="{E8A452AD-B6BE-494A-9B4B-96117FBAC6A0}" destId="{17BFDD1B-3239-4A5F-A373-EB0F41F283E7}" srcOrd="4" destOrd="0" parTransId="{42D6BC4D-616D-4F42-9561-46C7A430D40C}" sibTransId="{3505DCC7-4F6D-4615-B265-461B4001EE4A}"/>
-    <dgm:cxn modelId="{14A66051-07C4-4B0D-80E4-FB1D7426A1DE}" type="presOf" srcId="{FF50461D-4C64-4D9B-8D3A-EFACE962BBCF}" destId="{2E7E8A82-0E92-4242-98CB-EEA78C2DA3B5}" srcOrd="0" destOrd="0" presId="urn:microsoft.com/office/officeart/2008/layout/SquareAccentList"/>
+    <dgm:cxn modelId="{A65AFF8B-0B0A-4E66-8386-A158A72C12E4}" srcId="{E8A452AD-B6BE-494A-9B4B-96117FBAC6A0}" destId="{17BFDD1B-3239-4A5F-A373-EB0F41F283E7}" srcOrd="5" destOrd="0" parTransId="{42D6BC4D-616D-4F42-9561-46C7A430D40C}" sibTransId="{3505DCC7-4F6D-4615-B265-461B4001EE4A}"/>
     <dgm:cxn modelId="{5C6559AB-79DC-4168-8C2F-9CBEC6C014BF}" type="presOf" srcId="{48411A66-D39E-4E8E-9119-05F44F242EAA}" destId="{1ECDCA2F-96B1-4219-B06E-307D3C427123}" srcOrd="0" destOrd="0" presId="urn:microsoft.com/office/officeart/2008/layout/SquareAccentList"/>
-    <dgm:cxn modelId="{6CE692E9-868E-4CA3-B391-B9B50FB0FAB4}" srcId="{E8A452AD-B6BE-494A-9B4B-96117FBAC6A0}" destId="{FF50461D-4C64-4D9B-8D3A-EFACE962BBCF}" srcOrd="0" destOrd="0" parTransId="{22C1D22B-1CE1-490A-A715-28AA1232159C}" sibTransId="{763BDB05-09FA-4A14-BEC0-FD644A725958}"/>
+    <dgm:cxn modelId="{6CE692E9-868E-4CA3-B391-B9B50FB0FAB4}" srcId="{E8A452AD-B6BE-494A-9B4B-96117FBAC6A0}" destId="{FF50461D-4C64-4D9B-8D3A-EFACE962BBCF}" srcOrd="1" destOrd="0" parTransId="{22C1D22B-1CE1-490A-A715-28AA1232159C}" sibTransId="{763BDB05-09FA-4A14-BEC0-FD644A725958}"/>
     <dgm:cxn modelId="{1C3BA0C9-D0DF-4136-867B-557E704EDA8A}" type="presOf" srcId="{0E1CE207-A801-45CD-B89C-EA0B2117BBBD}" destId="{F6ABB932-9241-4968-9158-851CD63F68A5}" srcOrd="0" destOrd="0" presId="urn:microsoft.com/office/officeart/2008/layout/SquareAccentList"/>
     <dgm:cxn modelId="{C2848498-C8A9-4A0A-9AD5-9055AC929C9C}" type="presOf" srcId="{9CDF2D39-A722-4FEA-B0BB-6D5AEC1BD55F}" destId="{D3F1BA83-21AD-4633-BF86-C57984EB6762}" srcOrd="0" destOrd="0" presId="urn:microsoft.com/office/officeart/2008/layout/SquareAccentList"/>
     <dgm:cxn modelId="{8DB6FD8D-F5E0-4C1E-B781-48F2FAD6141B}" type="presOf" srcId="{5F20122B-EDCB-424D-B1C7-5CFC0C92F431}" destId="{A5BFB879-9695-48A0-A66E-14D56952E489}" srcOrd="0" destOrd="0" presId="urn:microsoft.com/office/officeart/2008/layout/SquareAccentList"/>
@@ -9265,24 +9341,25 @@
     <dgm:cxn modelId="{74FB3879-F9D8-49A7-A482-A378F40F80BC}" type="presOf" srcId="{7CB69140-D138-43D2-86A7-20EAE55EFB38}" destId="{BEDF50C2-C525-4DC1-A1F4-BE674EB8F7EA}" srcOrd="0" destOrd="0" presId="urn:microsoft.com/office/officeart/2008/layout/SquareAccentList"/>
     <dgm:cxn modelId="{6CE56C0B-1916-4E25-A42F-8D8F9813167B}" srcId="{5F20122B-EDCB-424D-B1C7-5CFC0C92F431}" destId="{84732C0E-0B3C-45A0-A364-66F425218D04}" srcOrd="1" destOrd="0" parTransId="{51F59B24-71EA-4A94-801E-83A0970D39F8}" sibTransId="{C7D45D38-5FFB-4A7C-88CA-6A036FBBA4DF}"/>
     <dgm:cxn modelId="{7CCF7455-47E1-41C6-B0D5-B83AA1263EDB}" type="presOf" srcId="{84732C0E-0B3C-45A0-A364-66F425218D04}" destId="{D788DB07-53AD-4F0B-B100-3D391B06AE9E}" srcOrd="0" destOrd="0" presId="urn:microsoft.com/office/officeart/2008/layout/SquareAccentList"/>
+    <dgm:cxn modelId="{259F3E70-BD3F-4A1C-9AAB-DE6FC46852E4}" type="presOf" srcId="{58348F03-26F5-4120-BDFE-C14FF403284A}" destId="{CE36F25B-A39D-4A36-A5AA-9CD951BA5994}" srcOrd="0" destOrd="0" presId="urn:microsoft.com/office/officeart/2008/layout/SquareAccentList"/>
+    <dgm:cxn modelId="{B8C00387-D926-4547-B1FE-F662F1083472}" type="presOf" srcId="{5BA26932-A683-4292-AF46-74C237D594AE}" destId="{947D31BF-2852-4702-997D-3FA0197A50C8}" srcOrd="0" destOrd="0" presId="urn:microsoft.com/office/officeart/2008/layout/SquareAccentList"/>
     <dgm:cxn modelId="{8552E225-CA63-4BA8-B35B-4128E9C0673B}" srcId="{5F20122B-EDCB-424D-B1C7-5CFC0C92F431}" destId="{C9C07E56-A0CE-418A-95A6-A2BC6613977D}" srcOrd="2" destOrd="0" parTransId="{F3C8B909-C9D1-488C-80EB-B1C23A9DA0DA}" sibTransId="{4F2980A7-C878-4DAA-A3BC-803A1FE74EE0}"/>
     <dgm:cxn modelId="{5069C57D-94A3-4E12-A681-7A774B447903}" srcId="{0E1CE207-A801-45CD-B89C-EA0B2117BBBD}" destId="{7994C6F6-FA83-4B1F-B743-AD1DDA1B4D09}" srcOrd="1" destOrd="0" parTransId="{64290C1F-D1AD-4E4A-9526-5F217506DC75}" sibTransId="{63C42516-ADE0-447B-8746-17962D4E609D}"/>
     <dgm:cxn modelId="{504BE20D-45E7-4EF3-A883-037DDADD33FB}" srcId="{48411A66-D39E-4E8E-9119-05F44F242EAA}" destId="{5F20122B-EDCB-424D-B1C7-5CFC0C92F431}" srcOrd="2" destOrd="0" parTransId="{B3A945D2-A00D-44E1-BDB0-DB3740405F31}" sibTransId="{BF5E40BA-D108-40D9-9610-A5A06D20DBF4}"/>
     <dgm:cxn modelId="{D63FDADC-AF00-4D61-9833-1035A65983D5}" srcId="{48411A66-D39E-4E8E-9119-05F44F242EAA}" destId="{0E1CE207-A801-45CD-B89C-EA0B2117BBBD}" srcOrd="0" destOrd="0" parTransId="{A6AAE52A-3128-4E8A-A122-1BD1EE7C3ADA}" sibTransId="{7ABCC1D9-527C-49D0-8F91-A013479CE879}"/>
-    <dgm:cxn modelId="{F983A153-E535-4BFC-A4DE-FA560C6C5DCC}" type="presOf" srcId="{17BFDD1B-3239-4A5F-A373-EB0F41F283E7}" destId="{E284AC63-A689-4015-ACCA-5DE5245833FF}" srcOrd="0" destOrd="0" presId="urn:microsoft.com/office/officeart/2008/layout/SquareAccentList"/>
+    <dgm:cxn modelId="{BCAC9E8D-6FAD-45E3-9259-775225ECBB42}" type="presOf" srcId="{FF50461D-4C64-4D9B-8D3A-EFACE962BBCF}" destId="{2E7E8A82-0E92-4242-98CB-EEA78C2DA3B5}" srcOrd="0" destOrd="0" presId="urn:microsoft.com/office/officeart/2008/layout/SquareAccentList"/>
     <dgm:cxn modelId="{91CCAE20-6575-4B82-8D70-14079B09B065}" type="presOf" srcId="{D013CFE7-7F4F-4C94-83CE-7395C3324BC9}" destId="{B038B5FF-3C4F-4CBC-B236-7D382E068250}" srcOrd="0" destOrd="0" presId="urn:microsoft.com/office/officeart/2008/layout/SquareAccentList"/>
-    <dgm:cxn modelId="{D6224421-A473-4F47-B6BB-FD31F59031CD}" srcId="{E8A452AD-B6BE-494A-9B4B-96117FBAC6A0}" destId="{FEBB280A-6E59-4848-9AF0-09895A0ED0C7}" srcOrd="5" destOrd="0" parTransId="{0E2A9F36-0C4A-43A4-B2E5-4923094EEC1A}" sibTransId="{036C300D-488D-42DB-B45D-7494AFCBA157}"/>
+    <dgm:cxn modelId="{D6224421-A473-4F47-B6BB-FD31F59031CD}" srcId="{E8A452AD-B6BE-494A-9B4B-96117FBAC6A0}" destId="{FEBB280A-6E59-4848-9AF0-09895A0ED0C7}" srcOrd="6" destOrd="0" parTransId="{0E2A9F36-0C4A-43A4-B2E5-4923094EEC1A}" sibTransId="{036C300D-488D-42DB-B45D-7494AFCBA157}"/>
     <dgm:cxn modelId="{82AA8898-C23A-43B5-A2BD-BD0A0597FA7F}" type="presOf" srcId="{7994C6F6-FA83-4B1F-B743-AD1DDA1B4D09}" destId="{9C741C6F-7495-4D33-875F-3017DE906012}" srcOrd="0" destOrd="0" presId="urn:microsoft.com/office/officeart/2008/layout/SquareAccentList"/>
     <dgm:cxn modelId="{CF3A4E6F-C4B0-4BF5-B9FA-3416BF936288}" srcId="{5F20122B-EDCB-424D-B1C7-5CFC0C92F431}" destId="{780B36A6-50F3-4592-A526-0FF2A6633F0E}" srcOrd="6" destOrd="0" parTransId="{43478A36-AA18-47C1-8D01-C3584E9977E1}" sibTransId="{2606C70E-F24D-486F-983E-45CB2EFF6EB1}"/>
     <dgm:cxn modelId="{47E92802-1AED-458A-9139-CDB4FAD0082A}" type="presOf" srcId="{C9C07E56-A0CE-418A-95A6-A2BC6613977D}" destId="{B6DC74F5-3BE5-4AD0-8E44-BE94087C4136}" srcOrd="0" destOrd="0" presId="urn:microsoft.com/office/officeart/2008/layout/SquareAccentList"/>
-    <dgm:cxn modelId="{B2934778-E656-4A7E-A502-501D58EA0CFD}" srcId="{E8A452AD-B6BE-494A-9B4B-96117FBAC6A0}" destId="{58348F03-26F5-4120-BDFE-C14FF403284A}" srcOrd="2" destOrd="0" parTransId="{1375B923-FD0E-463E-B23A-A0C0A258CDD9}" sibTransId="{D80841F4-55AC-4600-ADEA-F222B8B606DC}"/>
+    <dgm:cxn modelId="{B2934778-E656-4A7E-A502-501D58EA0CFD}" srcId="{E8A452AD-B6BE-494A-9B4B-96117FBAC6A0}" destId="{58348F03-26F5-4120-BDFE-C14FF403284A}" srcOrd="3" destOrd="0" parTransId="{1375B923-FD0E-463E-B23A-A0C0A258CDD9}" sibTransId="{D80841F4-55AC-4600-ADEA-F222B8B606DC}"/>
     <dgm:cxn modelId="{934A324B-FA0D-41D0-9D78-3C70C0936718}" srcId="{5F20122B-EDCB-424D-B1C7-5CFC0C92F431}" destId="{70200A69-079B-47A2-8170-6069D8752C1B}" srcOrd="4" destOrd="0" parTransId="{1172631E-C73C-4C80-8E31-AF0B11715A95}" sibTransId="{6769754A-0C4F-4D16-AB52-CD893E2DF3AF}"/>
-    <dgm:cxn modelId="{61860C71-9C56-4E0A-860C-F21A4C0B4C5F}" type="presOf" srcId="{1A9F2465-150B-4818-8D96-D1DD84CE6C59}" destId="{5C8ECC2E-6E08-4965-B0B6-B91DCBBA9677}" srcOrd="0" destOrd="0" presId="urn:microsoft.com/office/officeart/2008/layout/SquareAccentList"/>
-    <dgm:cxn modelId="{3E1C35C7-E8C5-4425-AC56-FB4798C47AA1}" type="presOf" srcId="{F2519E0D-4880-47A3-AC65-8E2687987ABD}" destId="{2E8E68AF-D9C7-4C74-B7E1-1714170446FC}" srcOrd="0" destOrd="0" presId="urn:microsoft.com/office/officeart/2008/layout/SquareAccentList"/>
-    <dgm:cxn modelId="{9A166218-8F91-4642-BF9C-327F346C8600}" type="presOf" srcId="{FEBB280A-6E59-4848-9AF0-09895A0ED0C7}" destId="{CF72B229-E01D-4BEA-A059-E581F54AD287}" srcOrd="0" destOrd="0" presId="urn:microsoft.com/office/officeart/2008/layout/SquareAccentList"/>
+    <dgm:cxn modelId="{84B35C82-6B86-491A-BF80-CBA627607B57}" type="presOf" srcId="{17BFDD1B-3239-4A5F-A373-EB0F41F283E7}" destId="{E284AC63-A689-4015-ACCA-5DE5245833FF}" srcOrd="0" destOrd="0" presId="urn:microsoft.com/office/officeart/2008/layout/SquareAccentList"/>
     <dgm:cxn modelId="{262B6646-0DCF-4691-AAA6-501902CB97EC}" type="presOf" srcId="{E8A452AD-B6BE-494A-9B4B-96117FBAC6A0}" destId="{03020688-6972-49B3-B295-525AECCB94F8}" srcOrd="0" destOrd="0" presId="urn:microsoft.com/office/officeart/2008/layout/SquareAccentList"/>
     <dgm:cxn modelId="{4495A845-6E90-485C-922B-AAA3F52DBA1E}" type="presOf" srcId="{AC810DDB-16ED-4307-BA2D-FDA078DBABC4}" destId="{F684FD80-C1EB-4A69-9EBB-EFFFBF010FC8}" srcOrd="0" destOrd="0" presId="urn:microsoft.com/office/officeart/2008/layout/SquareAccentList"/>
     <dgm:cxn modelId="{425160BC-580F-4FD7-ADEF-56617B535743}" srcId="{5F20122B-EDCB-424D-B1C7-5CFC0C92F431}" destId="{7CB69140-D138-43D2-86A7-20EAE55EFB38}" srcOrd="3" destOrd="0" parTransId="{BDA7035D-5FBF-48CD-A516-9557CDA8FBA2}" sibTransId="{A12F9F90-3B5C-4C61-8952-0EFD13BE3650}"/>
+    <dgm:cxn modelId="{FE40246F-002A-4959-87C7-829328FD81BB}" type="presOf" srcId="{FEBB280A-6E59-4848-9AF0-09895A0ED0C7}" destId="{CF72B229-E01D-4BEA-A059-E581F54AD287}" srcOrd="0" destOrd="0" presId="urn:microsoft.com/office/officeart/2008/layout/SquareAccentList"/>
     <dgm:cxn modelId="{7E8AD731-28BD-4771-9D01-8BD4BF7373A9}" srcId="{48411A66-D39E-4E8E-9119-05F44F242EAA}" destId="{E8A452AD-B6BE-494A-9B4B-96117FBAC6A0}" srcOrd="1" destOrd="0" parTransId="{EA863E85-BA29-4644-9BBF-A2CEF272C43D}" sibTransId="{E1BFC181-704B-4609-9525-0EC3D876BC2D}"/>
     <dgm:cxn modelId="{ACFACD81-E989-4892-ADBF-15256A460F00}" srcId="{0E1CE207-A801-45CD-B89C-EA0B2117BBBD}" destId="{D013CFE7-7F4F-4C94-83CE-7395C3324BC9}" srcOrd="0" destOrd="0" parTransId="{E21B3A09-4620-4048-80F3-C6E125AB9592}" sibTransId="{E71E904A-43A6-4CB7-817E-8D6E71249AC7}"/>
     <dgm:cxn modelId="{F1DEEC80-BCB2-4DC2-AAA2-4E4C2A6106F1}" type="presParOf" srcId="{1ECDCA2F-96B1-4219-B06E-307D3C427123}" destId="{A501C47A-6DF3-42DC-91D9-521E24589F65}" srcOrd="0" destOrd="0" presId="urn:microsoft.com/office/officeart/2008/layout/SquareAccentList"/>
@@ -9303,24 +9380,27 @@
     <dgm:cxn modelId="{65106D42-0F23-4136-88CE-DE3006FF23CC}" type="presParOf" srcId="{0CD06761-8401-4764-B9AE-E6C775560036}" destId="{3B2F1065-F85A-4ADA-8DF3-88476918267D}" srcOrd="1" destOrd="0" presId="urn:microsoft.com/office/officeart/2008/layout/SquareAccentList"/>
     <dgm:cxn modelId="{26FA61D2-F765-4621-A096-9CECC81198ED}" type="presParOf" srcId="{0CD06761-8401-4764-B9AE-E6C775560036}" destId="{03020688-6972-49B3-B295-525AECCB94F8}" srcOrd="2" destOrd="0" presId="urn:microsoft.com/office/officeart/2008/layout/SquareAccentList"/>
     <dgm:cxn modelId="{2355D8D1-375F-4F26-9D22-779EFE13D96D}" type="presParOf" srcId="{D00311F1-8887-439F-9930-6C947F5E74D5}" destId="{C8E17674-A877-47DB-8218-5DF3C0601535}" srcOrd="1" destOrd="0" presId="urn:microsoft.com/office/officeart/2008/layout/SquareAccentList"/>
-    <dgm:cxn modelId="{F3DD2CB9-3FE6-42A4-87D9-1249228B511C}" type="presParOf" srcId="{C8E17674-A877-47DB-8218-5DF3C0601535}" destId="{E1C2B8B2-0C2A-429D-ACBD-7B03538F0749}" srcOrd="0" destOrd="0" presId="urn:microsoft.com/office/officeart/2008/layout/SquareAccentList"/>
-    <dgm:cxn modelId="{C0539EAD-A3E2-4FC7-8497-9022C01F53F5}" type="presParOf" srcId="{E1C2B8B2-0C2A-429D-ACBD-7B03538F0749}" destId="{FE93E942-BFB3-4A7B-9563-E210142438E0}" srcOrd="0" destOrd="0" presId="urn:microsoft.com/office/officeart/2008/layout/SquareAccentList"/>
-    <dgm:cxn modelId="{7E2DA476-8787-407F-8B2F-18134AD9995A}" type="presParOf" srcId="{E1C2B8B2-0C2A-429D-ACBD-7B03538F0749}" destId="{2E7E8A82-0E92-4242-98CB-EEA78C2DA3B5}" srcOrd="1" destOrd="0" presId="urn:microsoft.com/office/officeart/2008/layout/SquareAccentList"/>
-    <dgm:cxn modelId="{079BE53F-DF5A-4B7E-B121-71E8B682A397}" type="presParOf" srcId="{C8E17674-A877-47DB-8218-5DF3C0601535}" destId="{1496F5CF-098F-4A3A-8FF6-A91B60F39939}" srcOrd="1" destOrd="0" presId="urn:microsoft.com/office/officeart/2008/layout/SquareAccentList"/>
-    <dgm:cxn modelId="{907EE07F-1353-48A9-A74A-FF6A320A91E3}" type="presParOf" srcId="{1496F5CF-098F-4A3A-8FF6-A91B60F39939}" destId="{594261F2-2659-417B-A270-B1EB83C0E35B}" srcOrd="0" destOrd="0" presId="urn:microsoft.com/office/officeart/2008/layout/SquareAccentList"/>
-    <dgm:cxn modelId="{A05AC317-F168-4508-BCC5-6CED28E1D019}" type="presParOf" srcId="{1496F5CF-098F-4A3A-8FF6-A91B60F39939}" destId="{2E8E68AF-D9C7-4C74-B7E1-1714170446FC}" srcOrd="1" destOrd="0" presId="urn:microsoft.com/office/officeart/2008/layout/SquareAccentList"/>
-    <dgm:cxn modelId="{78A8CB87-0A1C-4FF0-93E9-47411AEA6E33}" type="presParOf" srcId="{C8E17674-A877-47DB-8218-5DF3C0601535}" destId="{0F8763A8-AEBA-4208-BDD4-BF8A6FEC84DE}" srcOrd="2" destOrd="0" presId="urn:microsoft.com/office/officeart/2008/layout/SquareAccentList"/>
-    <dgm:cxn modelId="{DF3A38F5-F646-4BC2-B69B-1A15FA3E5239}" type="presParOf" srcId="{0F8763A8-AEBA-4208-BDD4-BF8A6FEC84DE}" destId="{9659C9B6-1441-4A3D-BA99-B0F620DECAFA}" srcOrd="0" destOrd="0" presId="urn:microsoft.com/office/officeart/2008/layout/SquareAccentList"/>
-    <dgm:cxn modelId="{A3D91CFA-B548-4C04-81F0-46F493BC7267}" type="presParOf" srcId="{0F8763A8-AEBA-4208-BDD4-BF8A6FEC84DE}" destId="{CE36F25B-A39D-4A36-A5AA-9CD951BA5994}" srcOrd="1" destOrd="0" presId="urn:microsoft.com/office/officeart/2008/layout/SquareAccentList"/>
-    <dgm:cxn modelId="{BC54D8C5-9636-4647-9F15-FF47326DFE26}" type="presParOf" srcId="{C8E17674-A877-47DB-8218-5DF3C0601535}" destId="{8DAC7D2E-1658-410E-8814-111190F68A35}" srcOrd="3" destOrd="0" presId="urn:microsoft.com/office/officeart/2008/layout/SquareAccentList"/>
-    <dgm:cxn modelId="{1E95519E-7988-4E44-9054-FFEDCAC17319}" type="presParOf" srcId="{8DAC7D2E-1658-410E-8814-111190F68A35}" destId="{BF7E46A3-DB05-4BFD-AFB5-34C32DFFEADD}" srcOrd="0" destOrd="0" presId="urn:microsoft.com/office/officeart/2008/layout/SquareAccentList"/>
-    <dgm:cxn modelId="{74E6F8F2-F6E4-4F20-B3F5-4B6B03DA53EF}" type="presParOf" srcId="{8DAC7D2E-1658-410E-8814-111190F68A35}" destId="{5C8ECC2E-6E08-4965-B0B6-B91DCBBA9677}" srcOrd="1" destOrd="0" presId="urn:microsoft.com/office/officeart/2008/layout/SquareAccentList"/>
-    <dgm:cxn modelId="{12FB1C76-AA72-4CC9-9E8A-F701D2DF720E}" type="presParOf" srcId="{C8E17674-A877-47DB-8218-5DF3C0601535}" destId="{DC1E3207-C160-480F-BD5E-AA31E8E4DE01}" srcOrd="4" destOrd="0" presId="urn:microsoft.com/office/officeart/2008/layout/SquareAccentList"/>
-    <dgm:cxn modelId="{DC394D05-E657-4373-A6CF-4014A40B7044}" type="presParOf" srcId="{DC1E3207-C160-480F-BD5E-AA31E8E4DE01}" destId="{D4D35BC4-158C-4338-8180-6DB10965EC12}" srcOrd="0" destOrd="0" presId="urn:microsoft.com/office/officeart/2008/layout/SquareAccentList"/>
-    <dgm:cxn modelId="{D9FC456F-6499-4D98-829A-D7840465D0BE}" type="presParOf" srcId="{DC1E3207-C160-480F-BD5E-AA31E8E4DE01}" destId="{E284AC63-A689-4015-ACCA-5DE5245833FF}" srcOrd="1" destOrd="0" presId="urn:microsoft.com/office/officeart/2008/layout/SquareAccentList"/>
-    <dgm:cxn modelId="{8A716D70-9F03-480C-8241-0E9EEA7F650C}" type="presParOf" srcId="{C8E17674-A877-47DB-8218-5DF3C0601535}" destId="{A7B0A8DE-610C-49C0-B65B-AFA9522724DD}" srcOrd="5" destOrd="0" presId="urn:microsoft.com/office/officeart/2008/layout/SquareAccentList"/>
-    <dgm:cxn modelId="{957DA8C4-CF44-452B-847E-B568A846768B}" type="presParOf" srcId="{A7B0A8DE-610C-49C0-B65B-AFA9522724DD}" destId="{02CFCB24-87EC-4732-B26C-BCE13F2FF7A4}" srcOrd="0" destOrd="0" presId="urn:microsoft.com/office/officeart/2008/layout/SquareAccentList"/>
-    <dgm:cxn modelId="{8B2175DE-DFA7-4AE1-830B-88DA7687267B}" type="presParOf" srcId="{A7B0A8DE-610C-49C0-B65B-AFA9522724DD}" destId="{CF72B229-E01D-4BEA-A059-E581F54AD287}" srcOrd="1" destOrd="0" presId="urn:microsoft.com/office/officeart/2008/layout/SquareAccentList"/>
+    <dgm:cxn modelId="{35696869-91BA-456E-A2A0-3C23A1F1007A}" type="presParOf" srcId="{C8E17674-A877-47DB-8218-5DF3C0601535}" destId="{5C70896E-56D7-4658-8726-611E11D0B5B2}" srcOrd="0" destOrd="0" presId="urn:microsoft.com/office/officeart/2008/layout/SquareAccentList"/>
+    <dgm:cxn modelId="{9CF50044-0E50-4EA9-8A01-FD6108743B39}" type="presParOf" srcId="{5C70896E-56D7-4658-8726-611E11D0B5B2}" destId="{544A5347-B577-4807-87CC-9C7FF64B115A}" srcOrd="0" destOrd="0" presId="urn:microsoft.com/office/officeart/2008/layout/SquareAccentList"/>
+    <dgm:cxn modelId="{CA66D8BE-1B7B-4F97-A30B-E4E79526450D}" type="presParOf" srcId="{5C70896E-56D7-4658-8726-611E11D0B5B2}" destId="{947D31BF-2852-4702-997D-3FA0197A50C8}" srcOrd="1" destOrd="0" presId="urn:microsoft.com/office/officeart/2008/layout/SquareAccentList"/>
+    <dgm:cxn modelId="{DF950AC3-FDC0-4E48-B390-444E83C048F0}" type="presParOf" srcId="{C8E17674-A877-47DB-8218-5DF3C0601535}" destId="{E1C2B8B2-0C2A-429D-ACBD-7B03538F0749}" srcOrd="1" destOrd="0" presId="urn:microsoft.com/office/officeart/2008/layout/SquareAccentList"/>
+    <dgm:cxn modelId="{48E33C11-BA17-4A65-889A-5C3B0BC75827}" type="presParOf" srcId="{E1C2B8B2-0C2A-429D-ACBD-7B03538F0749}" destId="{FE93E942-BFB3-4A7B-9563-E210142438E0}" srcOrd="0" destOrd="0" presId="urn:microsoft.com/office/officeart/2008/layout/SquareAccentList"/>
+    <dgm:cxn modelId="{7B329EA9-F7A0-4E38-9185-6D64213D320A}" type="presParOf" srcId="{E1C2B8B2-0C2A-429D-ACBD-7B03538F0749}" destId="{2E7E8A82-0E92-4242-98CB-EEA78C2DA3B5}" srcOrd="1" destOrd="0" presId="urn:microsoft.com/office/officeart/2008/layout/SquareAccentList"/>
+    <dgm:cxn modelId="{C22E2007-63E5-4CA3-B505-6615494B5B9C}" type="presParOf" srcId="{C8E17674-A877-47DB-8218-5DF3C0601535}" destId="{1496F5CF-098F-4A3A-8FF6-A91B60F39939}" srcOrd="2" destOrd="0" presId="urn:microsoft.com/office/officeart/2008/layout/SquareAccentList"/>
+    <dgm:cxn modelId="{51B42F53-4C53-41C6-92DB-701B543383CE}" type="presParOf" srcId="{1496F5CF-098F-4A3A-8FF6-A91B60F39939}" destId="{594261F2-2659-417B-A270-B1EB83C0E35B}" srcOrd="0" destOrd="0" presId="urn:microsoft.com/office/officeart/2008/layout/SquareAccentList"/>
+    <dgm:cxn modelId="{10DF7DD9-4D98-428B-9954-8D3BED31A5DB}" type="presParOf" srcId="{1496F5CF-098F-4A3A-8FF6-A91B60F39939}" destId="{2E8E68AF-D9C7-4C74-B7E1-1714170446FC}" srcOrd="1" destOrd="0" presId="urn:microsoft.com/office/officeart/2008/layout/SquareAccentList"/>
+    <dgm:cxn modelId="{0117F819-6019-45DC-89C6-3F491F274750}" type="presParOf" srcId="{C8E17674-A877-47DB-8218-5DF3C0601535}" destId="{0F8763A8-AEBA-4208-BDD4-BF8A6FEC84DE}" srcOrd="3" destOrd="0" presId="urn:microsoft.com/office/officeart/2008/layout/SquareAccentList"/>
+    <dgm:cxn modelId="{98A7A983-68AA-4E66-B599-110B66C55D57}" type="presParOf" srcId="{0F8763A8-AEBA-4208-BDD4-BF8A6FEC84DE}" destId="{9659C9B6-1441-4A3D-BA99-B0F620DECAFA}" srcOrd="0" destOrd="0" presId="urn:microsoft.com/office/officeart/2008/layout/SquareAccentList"/>
+    <dgm:cxn modelId="{848CC7D2-FC8C-4C9E-BA16-7DDE65C528A7}" type="presParOf" srcId="{0F8763A8-AEBA-4208-BDD4-BF8A6FEC84DE}" destId="{CE36F25B-A39D-4A36-A5AA-9CD951BA5994}" srcOrd="1" destOrd="0" presId="urn:microsoft.com/office/officeart/2008/layout/SquareAccentList"/>
+    <dgm:cxn modelId="{66B28DF6-5E3D-44E9-9CB5-720F233C5985}" type="presParOf" srcId="{C8E17674-A877-47DB-8218-5DF3C0601535}" destId="{8DAC7D2E-1658-410E-8814-111190F68A35}" srcOrd="4" destOrd="0" presId="urn:microsoft.com/office/officeart/2008/layout/SquareAccentList"/>
+    <dgm:cxn modelId="{E7775244-9789-4A13-A0AD-0E83731517CD}" type="presParOf" srcId="{8DAC7D2E-1658-410E-8814-111190F68A35}" destId="{BF7E46A3-DB05-4BFD-AFB5-34C32DFFEADD}" srcOrd="0" destOrd="0" presId="urn:microsoft.com/office/officeart/2008/layout/SquareAccentList"/>
+    <dgm:cxn modelId="{0FE409C1-C27C-49D7-B155-3783D371CFF1}" type="presParOf" srcId="{8DAC7D2E-1658-410E-8814-111190F68A35}" destId="{5C8ECC2E-6E08-4965-B0B6-B91DCBBA9677}" srcOrd="1" destOrd="0" presId="urn:microsoft.com/office/officeart/2008/layout/SquareAccentList"/>
+    <dgm:cxn modelId="{845E8EE6-B905-46E9-9523-242599A714F1}" type="presParOf" srcId="{C8E17674-A877-47DB-8218-5DF3C0601535}" destId="{DC1E3207-C160-480F-BD5E-AA31E8E4DE01}" srcOrd="5" destOrd="0" presId="urn:microsoft.com/office/officeart/2008/layout/SquareAccentList"/>
+    <dgm:cxn modelId="{EB1ACD67-F1A0-4486-852D-65452B882A6C}" type="presParOf" srcId="{DC1E3207-C160-480F-BD5E-AA31E8E4DE01}" destId="{D4D35BC4-158C-4338-8180-6DB10965EC12}" srcOrd="0" destOrd="0" presId="urn:microsoft.com/office/officeart/2008/layout/SquareAccentList"/>
+    <dgm:cxn modelId="{03438101-F7EB-4DAA-B7F1-A49512186CCF}" type="presParOf" srcId="{DC1E3207-C160-480F-BD5E-AA31E8E4DE01}" destId="{E284AC63-A689-4015-ACCA-5DE5245833FF}" srcOrd="1" destOrd="0" presId="urn:microsoft.com/office/officeart/2008/layout/SquareAccentList"/>
+    <dgm:cxn modelId="{8F201D10-5043-404C-8E08-B9720B54ED75}" type="presParOf" srcId="{C8E17674-A877-47DB-8218-5DF3C0601535}" destId="{A7B0A8DE-610C-49C0-B65B-AFA9522724DD}" srcOrd="6" destOrd="0" presId="urn:microsoft.com/office/officeart/2008/layout/SquareAccentList"/>
+    <dgm:cxn modelId="{63FA549B-6231-42B7-98E6-AD69F547E551}" type="presParOf" srcId="{A7B0A8DE-610C-49C0-B65B-AFA9522724DD}" destId="{02CFCB24-87EC-4732-B26C-BCE13F2FF7A4}" srcOrd="0" destOrd="0" presId="urn:microsoft.com/office/officeart/2008/layout/SquareAccentList"/>
+    <dgm:cxn modelId="{4BF7FC7B-B634-4C63-BAE3-AB14CA16AD92}" type="presParOf" srcId="{A7B0A8DE-610C-49C0-B65B-AFA9522724DD}" destId="{CF72B229-E01D-4BEA-A059-E581F54AD287}" srcOrd="1" destOrd="0" presId="urn:microsoft.com/office/officeart/2008/layout/SquareAccentList"/>
     <dgm:cxn modelId="{57705A65-6F3D-4E97-A5B8-0427B778A41C}" type="presParOf" srcId="{1ECDCA2F-96B1-4219-B06E-307D3C427123}" destId="{6CF78332-D992-4055-A740-D5A47B2203F1}" srcOrd="2" destOrd="0" presId="urn:microsoft.com/office/officeart/2008/layout/SquareAccentList"/>
     <dgm:cxn modelId="{03B0E33F-C40F-4D97-95F6-B00EF016CCB1}" type="presParOf" srcId="{6CF78332-D992-4055-A740-D5A47B2203F1}" destId="{3D749F4A-D21D-4207-9417-E84985D2EBFF}" srcOrd="0" destOrd="0" presId="urn:microsoft.com/office/officeart/2008/layout/SquareAccentList"/>
     <dgm:cxn modelId="{BA65E0E7-C188-4FD8-9482-06FBD3B439F3}" type="presParOf" srcId="{3D749F4A-D21D-4207-9417-E84985D2EBFF}" destId="{A00CF899-EB4F-403B-B626-8EAAF0BB1707}" srcOrd="0" destOrd="0" presId="urn:microsoft.com/office/officeart/2008/layout/SquareAccentList"/>
@@ -16464,7 +16544,7 @@
         <a:ext cx="2761593" cy="583645"/>
       </dsp:txXfrm>
     </dsp:sp>
-    <dsp:sp modelId="{FE93E942-BFB3-4A7B-9563-E210142438E0}">
+    <dsp:sp modelId="{544A5347-B577-4807-87CC-9C7FF64B115A}">
       <dsp:nvSpPr>
         <dsp:cNvPr id="0" name=""/>
         <dsp:cNvSpPr/>
@@ -16511,7 +16591,7 @@
         <a:fontRef idx="minor"/>
       </dsp:style>
     </dsp:sp>
-    <dsp:sp modelId="{2E7E8A82-0E92-4242-98CB-EEA78C2DA3B5}">
+    <dsp:sp modelId="{947D31BF-2852-4702-997D-3FA0197A50C8}">
       <dsp:nvSpPr>
         <dsp:cNvPr id="0" name=""/>
         <dsp:cNvSpPr/>
@@ -16561,7 +16641,7 @@
           </a:pPr>
           <a:r>
             <a:rPr lang="en-US" sz="1600" kern="1200" dirty="0" smtClean="0"/>
-            <a:t>ASP.NET MVC</a:t>
+            <a:t>.NET Framework</a:t>
           </a:r>
           <a:endParaRPr lang="ru-RU" sz="1600" kern="1200" dirty="0"/>
         </a:p>
@@ -16571,7 +16651,7 @@
         <a:ext cx="2568281" cy="472894"/>
       </dsp:txXfrm>
     </dsp:sp>
-    <dsp:sp modelId="{594261F2-2659-417B-A270-B1EB83C0E35B}">
+    <dsp:sp modelId="{FE93E942-BFB3-4A7B-9563-E210142438E0}">
       <dsp:nvSpPr>
         <dsp:cNvPr id="0" name=""/>
         <dsp:cNvSpPr/>
@@ -16618,7 +16698,7 @@
         <a:fontRef idx="minor"/>
       </dsp:style>
     </dsp:sp>
-    <dsp:sp modelId="{2E8E68AF-D9C7-4C74-B7E1-1714170446FC}">
+    <dsp:sp modelId="{2E7E8A82-0E92-4242-98CB-EEA78C2DA3B5}">
       <dsp:nvSpPr>
         <dsp:cNvPr id="0" name=""/>
         <dsp:cNvSpPr/>
@@ -16668,11 +16748,7 @@
           </a:pPr>
           <a:r>
             <a:rPr lang="en-US" sz="1600" kern="1200" dirty="0" smtClean="0"/>
-            <a:t>ASP.NET </a:t>
-          </a:r>
-          <a:r>
-            <a:rPr lang="en-US" sz="1600" kern="1200" dirty="0" err="1" smtClean="0"/>
-            <a:t>WebApi</a:t>
+            <a:t>ASP.NET MVC</a:t>
           </a:r>
           <a:endParaRPr lang="ru-RU" sz="1600" kern="1200" dirty="0"/>
         </a:p>
@@ -16682,7 +16758,7 @@
         <a:ext cx="2568281" cy="472894"/>
       </dsp:txXfrm>
     </dsp:sp>
-    <dsp:sp modelId="{9659C9B6-1441-4A3D-BA99-B0F620DECAFA}">
+    <dsp:sp modelId="{594261F2-2659-417B-A270-B1EB83C0E35B}">
       <dsp:nvSpPr>
         <dsp:cNvPr id="0" name=""/>
         <dsp:cNvSpPr/>
@@ -16729,7 +16805,7 @@
         <a:fontRef idx="minor"/>
       </dsp:style>
     </dsp:sp>
-    <dsp:sp modelId="{CE36F25B-A39D-4A36-A5AA-9CD951BA5994}">
+    <dsp:sp modelId="{2E8E68AF-D9C7-4C74-B7E1-1714170446FC}">
       <dsp:nvSpPr>
         <dsp:cNvPr id="0" name=""/>
         <dsp:cNvSpPr/>
@@ -16779,7 +16855,11 @@
           </a:pPr>
           <a:r>
             <a:rPr lang="en-US" sz="1600" kern="1200" dirty="0" smtClean="0"/>
-            <a:t>WCF</a:t>
+            <a:t>ASP.NET </a:t>
+          </a:r>
+          <a:r>
+            <a:rPr lang="en-US" sz="1600" kern="1200" dirty="0" err="1" smtClean="0"/>
+            <a:t>WebApi</a:t>
           </a:r>
           <a:endParaRPr lang="ru-RU" sz="1600" kern="1200" dirty="0"/>
         </a:p>
@@ -16789,7 +16869,7 @@
         <a:ext cx="2568281" cy="472894"/>
       </dsp:txXfrm>
     </dsp:sp>
-    <dsp:sp modelId="{BF7E46A3-DB05-4BFD-AFB5-34C32DFFEADD}">
+    <dsp:sp modelId="{9659C9B6-1441-4A3D-BA99-B0F620DECAFA}">
       <dsp:nvSpPr>
         <dsp:cNvPr id="0" name=""/>
         <dsp:cNvSpPr/>
@@ -16836,7 +16916,7 @@
         <a:fontRef idx="minor"/>
       </dsp:style>
     </dsp:sp>
-    <dsp:sp modelId="{5C8ECC2E-6E08-4965-B0B6-B91DCBBA9677}">
+    <dsp:sp modelId="{CE36F25B-A39D-4A36-A5AA-9CD951BA5994}">
       <dsp:nvSpPr>
         <dsp:cNvPr id="0" name=""/>
         <dsp:cNvSpPr/>
@@ -16886,7 +16966,7 @@
           </a:pPr>
           <a:r>
             <a:rPr lang="en-US" sz="1600" kern="1200" dirty="0" smtClean="0"/>
-            <a:t>Unity</a:t>
+            <a:t>WCF</a:t>
           </a:r>
           <a:endParaRPr lang="ru-RU" sz="1600" kern="1200" dirty="0"/>
         </a:p>
@@ -16896,7 +16976,7 @@
         <a:ext cx="2568281" cy="472894"/>
       </dsp:txXfrm>
     </dsp:sp>
-    <dsp:sp modelId="{D4D35BC4-158C-4338-8180-6DB10965EC12}">
+    <dsp:sp modelId="{BF7E46A3-DB05-4BFD-AFB5-34C32DFFEADD}">
       <dsp:nvSpPr>
         <dsp:cNvPr id="0" name=""/>
         <dsp:cNvSpPr/>
@@ -16943,7 +17023,7 @@
         <a:fontRef idx="minor"/>
       </dsp:style>
     </dsp:sp>
-    <dsp:sp modelId="{E284AC63-A689-4015-ACCA-5DE5245833FF}">
+    <dsp:sp modelId="{5C8ECC2E-6E08-4965-B0B6-B91DCBBA9677}">
       <dsp:nvSpPr>
         <dsp:cNvPr id="0" name=""/>
         <dsp:cNvSpPr/>
@@ -16993,7 +17073,7 @@
           </a:pPr>
           <a:r>
             <a:rPr lang="en-US" sz="1600" kern="1200" dirty="0" smtClean="0"/>
-            <a:t>Entity Framework</a:t>
+            <a:t>Unity</a:t>
           </a:r>
           <a:endParaRPr lang="ru-RU" sz="1600" kern="1200" dirty="0"/>
         </a:p>
@@ -17003,7 +17083,7 @@
         <a:ext cx="2568281" cy="472894"/>
       </dsp:txXfrm>
     </dsp:sp>
-    <dsp:sp modelId="{02CFCB24-87EC-4732-B26C-BCE13F2FF7A4}">
+    <dsp:sp modelId="{D4D35BC4-158C-4338-8180-6DB10965EC12}">
       <dsp:nvSpPr>
         <dsp:cNvPr id="0" name=""/>
         <dsp:cNvSpPr/>
@@ -17050,7 +17130,7 @@
         <a:fontRef idx="minor"/>
       </dsp:style>
     </dsp:sp>
-    <dsp:sp modelId="{CF72B229-E01D-4BEA-A059-E581F54AD287}">
+    <dsp:sp modelId="{E284AC63-A689-4015-ACCA-5DE5245833FF}">
       <dsp:nvSpPr>
         <dsp:cNvPr id="0" name=""/>
         <dsp:cNvSpPr/>
@@ -17100,13 +17180,128 @@
           </a:pPr>
           <a:r>
             <a:rPr lang="en-US" sz="1600" kern="1200" dirty="0" smtClean="0"/>
-            <a:t>CF Migrations</a:t>
+            <a:t>Entity Framework</a:t>
           </a:r>
           <a:endParaRPr lang="ru-RU" sz="1600" kern="1200" dirty="0"/>
         </a:p>
       </dsp:txBody>
       <dsp:txXfrm>
         <a:off x="3096990" y="3408021"/>
+        <a:ext cx="2568281" cy="472894"/>
+      </dsp:txXfrm>
+    </dsp:sp>
+    <dsp:sp modelId="{02CFCB24-87EC-4732-B26C-BCE13F2FF7A4}">
+      <dsp:nvSpPr>
+        <dsp:cNvPr id="0" name=""/>
+        <dsp:cNvSpPr/>
+      </dsp:nvSpPr>
+      <dsp:spPr>
+        <a:xfrm>
+          <a:off x="2903679" y="4015926"/>
+          <a:ext cx="202871" cy="202871"/>
+        </a:xfrm>
+        <a:prstGeom prst="rect">
+          <a:avLst/>
+        </a:prstGeom>
+        <a:solidFill>
+          <a:schemeClr val="lt1">
+            <a:hueOff val="0"/>
+            <a:satOff val="0"/>
+            <a:lumOff val="0"/>
+            <a:alphaOff val="0"/>
+          </a:schemeClr>
+        </a:solidFill>
+        <a:ln w="25400" cap="flat" cmpd="sng" algn="ctr">
+          <a:solidFill>
+            <a:schemeClr val="accent1">
+              <a:hueOff val="0"/>
+              <a:satOff val="0"/>
+              <a:lumOff val="0"/>
+              <a:alphaOff val="0"/>
+            </a:schemeClr>
+          </a:solidFill>
+          <a:prstDash val="solid"/>
+        </a:ln>
+        <a:effectLst/>
+      </dsp:spPr>
+      <dsp:style>
+        <a:lnRef idx="2">
+          <a:scrgbClr r="0" g="0" b="0"/>
+        </a:lnRef>
+        <a:fillRef idx="1">
+          <a:scrgbClr r="0" g="0" b="0"/>
+        </a:fillRef>
+        <a:effectRef idx="0">
+          <a:scrgbClr r="0" g="0" b="0"/>
+        </a:effectRef>
+        <a:fontRef idx="minor"/>
+      </dsp:style>
+    </dsp:sp>
+    <dsp:sp modelId="{CF72B229-E01D-4BEA-A059-E581F54AD287}">
+      <dsp:nvSpPr>
+        <dsp:cNvPr id="0" name=""/>
+        <dsp:cNvSpPr/>
+      </dsp:nvSpPr>
+      <dsp:spPr>
+        <a:xfrm>
+          <a:off x="3096990" y="3880915"/>
+          <a:ext cx="2568281" cy="472894"/>
+        </a:xfrm>
+        <a:prstGeom prst="rect">
+          <a:avLst/>
+        </a:prstGeom>
+        <a:noFill/>
+        <a:ln>
+          <a:noFill/>
+        </a:ln>
+        <a:effectLst/>
+      </dsp:spPr>
+      <dsp:style>
+        <a:lnRef idx="0">
+          <a:scrgbClr r="0" g="0" b="0"/>
+        </a:lnRef>
+        <a:fillRef idx="0">
+          <a:scrgbClr r="0" g="0" b="0"/>
+        </a:fillRef>
+        <a:effectRef idx="0">
+          <a:scrgbClr r="0" g="0" b="0"/>
+        </a:effectRef>
+        <a:fontRef idx="minor"/>
+      </dsp:style>
+      <dsp:txBody>
+        <a:bodyPr spcFirstLastPara="0" vert="horz" wrap="square" lIns="113792" tIns="113792" rIns="113792" bIns="113792" numCol="1" spcCol="1270" anchor="ctr" anchorCtr="0">
+          <a:noAutofit/>
+        </a:bodyPr>
+        <a:lstStyle/>
+        <a:p>
+          <a:pPr lvl="0" algn="l" defTabSz="711200">
+            <a:lnSpc>
+              <a:spcPct val="90000"/>
+            </a:lnSpc>
+            <a:spcBef>
+              <a:spcPct val="0"/>
+            </a:spcBef>
+            <a:spcAft>
+              <a:spcPct val="35000"/>
+            </a:spcAft>
+          </a:pPr>
+          <a:r>
+            <a:rPr lang="en-US" sz="1600" kern="1200" dirty="0" err="1" smtClean="0"/>
+            <a:t>CodeFirst</a:t>
+          </a:r>
+          <a:r>
+            <a:rPr lang="en-US" sz="1600" kern="1200" dirty="0" smtClean="0"/>
+            <a:t> </a:t>
+          </a:r>
+          <a:r>
+            <a:rPr lang="en-US" sz="1600" kern="1200" dirty="0" smtClean="0"/>
+            <a:t>Migrations</a:t>
+          </a:r>
+          <a:endParaRPr lang="ru-RU" sz="1600" kern="1200" dirty="0"/>
+        </a:p>
+      </dsp:txBody>
+      <dsp:txXfrm>
+        <a:off x="3096990" y="3880915"/>
         <a:ext cx="2568281" cy="472894"/>
       </dsp:txXfrm>
     </dsp:sp>
@@ -28118,7 +28313,7 @@
           <a:p>
             <a:fld id="{514D112C-BBE2-4301-9295-55F5D7CE1046}" type="datetimeFigureOut">
               <a:rPr lang="ru-RU" smtClean="0"/>
-              <a:t>09.03.2015</a:t>
+              <a:t>21.04.2015</a:t>
             </a:fld>
             <a:endParaRPr lang="ru-RU"/>
           </a:p>
@@ -28567,7 +28762,7 @@
           <a:p>
             <a:fld id="{48634573-699F-4086-BBAC-7BE82F582FC7}" type="datetime1">
               <a:rPr lang="ru-RU" smtClean="0"/>
-              <a:t>09.03.2015</a:t>
+              <a:t>21.04.2015</a:t>
             </a:fld>
             <a:endParaRPr lang="ru-RU"/>
           </a:p>
@@ -28737,7 +28932,7 @@
           <a:p>
             <a:fld id="{DAE69977-9D98-42A8-A6F1-EA6C009F88A2}" type="datetime1">
               <a:rPr lang="ru-RU" smtClean="0"/>
-              <a:t>09.03.2015</a:t>
+              <a:t>21.04.2015</a:t>
             </a:fld>
             <a:endParaRPr lang="ru-RU"/>
           </a:p>
@@ -28917,7 +29112,7 @@
           <a:p>
             <a:fld id="{D5E153B6-2408-4A74-99A3-F4B565B054AC}" type="datetime1">
               <a:rPr lang="ru-RU" smtClean="0"/>
-              <a:t>09.03.2015</a:t>
+              <a:t>21.04.2015</a:t>
             </a:fld>
             <a:endParaRPr lang="ru-RU"/>
           </a:p>
@@ -29087,7 +29282,7 @@
           <a:p>
             <a:fld id="{4D5C13A7-1885-405A-B906-B4F9B7F71B92}" type="datetime1">
               <a:rPr lang="ru-RU" smtClean="0"/>
-              <a:t>09.03.2015</a:t>
+              <a:t>21.04.2015</a:t>
             </a:fld>
             <a:endParaRPr lang="ru-RU"/>
           </a:p>
@@ -29333,7 +29528,7 @@
           <a:p>
             <a:fld id="{28E2FF47-B8C4-4237-AC5C-97453768B39F}" type="datetime1">
               <a:rPr lang="ru-RU" smtClean="0"/>
-              <a:t>09.03.2015</a:t>
+              <a:t>21.04.2015</a:t>
             </a:fld>
             <a:endParaRPr lang="ru-RU"/>
           </a:p>
@@ -29621,7 +29816,7 @@
           <a:p>
             <a:fld id="{0A7E8070-BA2B-4B11-AFA5-6FBA9A262BA1}" type="datetime1">
               <a:rPr lang="ru-RU" smtClean="0"/>
-              <a:t>09.03.2015</a:t>
+              <a:t>21.04.2015</a:t>
             </a:fld>
             <a:endParaRPr lang="ru-RU"/>
           </a:p>
@@ -30043,7 +30238,7 @@
           <a:p>
             <a:fld id="{F4F5449C-3E06-4610-AAA5-190A7B7FED39}" type="datetime1">
               <a:rPr lang="ru-RU" smtClean="0"/>
-              <a:t>09.03.2015</a:t>
+              <a:t>21.04.2015</a:t>
             </a:fld>
             <a:endParaRPr lang="ru-RU"/>
           </a:p>
@@ -30161,7 +30356,7 @@
           <a:p>
             <a:fld id="{EABFC58D-8037-4652-9D63-4A28F9D4ADAF}" type="datetime1">
               <a:rPr lang="ru-RU" smtClean="0"/>
-              <a:t>09.03.2015</a:t>
+              <a:t>21.04.2015</a:t>
             </a:fld>
             <a:endParaRPr lang="ru-RU"/>
           </a:p>
@@ -30256,7 +30451,7 @@
           <a:p>
             <a:fld id="{64FC96B4-CD04-48D9-AE3B-03EA03D1C9CB}" type="datetime1">
               <a:rPr lang="ru-RU" smtClean="0"/>
-              <a:t>09.03.2015</a:t>
+              <a:t>21.04.2015</a:t>
             </a:fld>
             <a:endParaRPr lang="ru-RU"/>
           </a:p>
@@ -30533,7 +30728,7 @@
           <a:p>
             <a:fld id="{26C12772-3297-48F1-B13A-8CB6A553C03E}" type="datetime1">
               <a:rPr lang="ru-RU" smtClean="0"/>
-              <a:t>09.03.2015</a:t>
+              <a:t>21.04.2015</a:t>
             </a:fld>
             <a:endParaRPr lang="ru-RU"/>
           </a:p>
@@ -30786,7 +30981,7 @@
           <a:p>
             <a:fld id="{3EFD360A-8DE3-4B03-BA14-C82A97D4901D}" type="datetime1">
               <a:rPr lang="ru-RU" smtClean="0"/>
-              <a:t>09.03.2015</a:t>
+              <a:t>21.04.2015</a:t>
             </a:fld>
             <a:endParaRPr lang="ru-RU"/>
           </a:p>
@@ -30999,7 +31194,7 @@
           <a:p>
             <a:fld id="{5D8CB3F7-C096-4A07-B5EB-0F3D230BB35F}" type="datetime1">
               <a:rPr lang="ru-RU" smtClean="0"/>
-              <a:t>09.03.2015</a:t>
+              <a:t>21.04.2015</a:t>
             </a:fld>
             <a:endParaRPr lang="ru-RU"/>
           </a:p>
@@ -33684,7 +33879,7 @@
           <p:nvPr>
             <p:extLst>
               <p:ext uri="{D42A27DB-BD31-4B8C-83A1-F6EECF244321}">
-                <p14:modId xmlns:p14="http://schemas.microsoft.com/office/powerpoint/2010/main" val="3762120400"/>
+                <p14:modId xmlns:p14="http://schemas.microsoft.com/office/powerpoint/2010/main" val="2069063457"/>
               </p:ext>
             </p:extLst>
           </p:nvPr>
